--- a/Diplom_lazuko.pptx
+++ b/Diplom_lazuko.pptx
@@ -7,11 +7,18 @@
   <p:sldIdLst>
     <p:sldId id="257" r:id="rId2"/>
     <p:sldId id="258" r:id="rId3"/>
-    <p:sldId id="259" r:id="rId4"/>
-    <p:sldId id="260" r:id="rId5"/>
-    <p:sldId id="261" r:id="rId6"/>
-    <p:sldId id="262" r:id="rId7"/>
-    <p:sldId id="263" r:id="rId8"/>
+    <p:sldId id="263" r:id="rId4"/>
+    <p:sldId id="264" r:id="rId5"/>
+    <p:sldId id="265" r:id="rId6"/>
+    <p:sldId id="266" r:id="rId7"/>
+    <p:sldId id="267" r:id="rId8"/>
+    <p:sldId id="268" r:id="rId9"/>
+    <p:sldId id="269" r:id="rId10"/>
+    <p:sldId id="270" r:id="rId11"/>
+    <p:sldId id="271" r:id="rId12"/>
+    <p:sldId id="272" r:id="rId13"/>
+    <p:sldId id="273" r:id="rId14"/>
+    <p:sldId id="274" r:id="rId15"/>
   </p:sldIdLst>
   <p:sldSz cx="12192000" cy="6858000"/>
   <p:notesSz cx="6858000" cy="9144000"/>
@@ -265,7 +272,7 @@
           <a:p>
             <a:fld id="{EAFF13F3-69BB-4684-A6A9-4F07D0146CB5}" type="datetimeFigureOut">
               <a:rPr lang="en-US" smtClean="0"/>
-              <a:t>6/15/2020</a:t>
+              <a:t>6/17/2020</a:t>
             </a:fld>
             <a:endParaRPr lang="en-US"/>
           </a:p>
@@ -463,7 +470,7 @@
           <a:p>
             <a:fld id="{EAFF13F3-69BB-4684-A6A9-4F07D0146CB5}" type="datetimeFigureOut">
               <a:rPr lang="en-US" smtClean="0"/>
-              <a:t>6/15/2020</a:t>
+              <a:t>6/17/2020</a:t>
             </a:fld>
             <a:endParaRPr lang="en-US"/>
           </a:p>
@@ -671,7 +678,7 @@
           <a:p>
             <a:fld id="{EAFF13F3-69BB-4684-A6A9-4F07D0146CB5}" type="datetimeFigureOut">
               <a:rPr lang="en-US" smtClean="0"/>
-              <a:t>6/15/2020</a:t>
+              <a:t>6/17/2020</a:t>
             </a:fld>
             <a:endParaRPr lang="en-US"/>
           </a:p>
@@ -869,7 +876,7 @@
           <a:p>
             <a:fld id="{EAFF13F3-69BB-4684-A6A9-4F07D0146CB5}" type="datetimeFigureOut">
               <a:rPr lang="en-US" smtClean="0"/>
-              <a:t>6/15/2020</a:t>
+              <a:t>6/17/2020</a:t>
             </a:fld>
             <a:endParaRPr lang="en-US"/>
           </a:p>
@@ -1144,7 +1151,7 @@
           <a:p>
             <a:fld id="{EAFF13F3-69BB-4684-A6A9-4F07D0146CB5}" type="datetimeFigureOut">
               <a:rPr lang="en-US" smtClean="0"/>
-              <a:t>6/15/2020</a:t>
+              <a:t>6/17/2020</a:t>
             </a:fld>
             <a:endParaRPr lang="en-US"/>
           </a:p>
@@ -1409,7 +1416,7 @@
           <a:p>
             <a:fld id="{EAFF13F3-69BB-4684-A6A9-4F07D0146CB5}" type="datetimeFigureOut">
               <a:rPr lang="en-US" smtClean="0"/>
-              <a:t>6/15/2020</a:t>
+              <a:t>6/17/2020</a:t>
             </a:fld>
             <a:endParaRPr lang="en-US"/>
           </a:p>
@@ -1821,7 +1828,7 @@
           <a:p>
             <a:fld id="{EAFF13F3-69BB-4684-A6A9-4F07D0146CB5}" type="datetimeFigureOut">
               <a:rPr lang="en-US" smtClean="0"/>
-              <a:t>6/15/2020</a:t>
+              <a:t>6/17/2020</a:t>
             </a:fld>
             <a:endParaRPr lang="en-US"/>
           </a:p>
@@ -1962,7 +1969,7 @@
           <a:p>
             <a:fld id="{EAFF13F3-69BB-4684-A6A9-4F07D0146CB5}" type="datetimeFigureOut">
               <a:rPr lang="en-US" smtClean="0"/>
-              <a:t>6/15/2020</a:t>
+              <a:t>6/17/2020</a:t>
             </a:fld>
             <a:endParaRPr lang="en-US"/>
           </a:p>
@@ -2075,7 +2082,7 @@
           <a:p>
             <a:fld id="{EAFF13F3-69BB-4684-A6A9-4F07D0146CB5}" type="datetimeFigureOut">
               <a:rPr lang="en-US" smtClean="0"/>
-              <a:t>6/15/2020</a:t>
+              <a:t>6/17/2020</a:t>
             </a:fld>
             <a:endParaRPr lang="en-US"/>
           </a:p>
@@ -2386,7 +2393,7 @@
           <a:p>
             <a:fld id="{EAFF13F3-69BB-4684-A6A9-4F07D0146CB5}" type="datetimeFigureOut">
               <a:rPr lang="en-US" smtClean="0"/>
-              <a:t>6/15/2020</a:t>
+              <a:t>6/17/2020</a:t>
             </a:fld>
             <a:endParaRPr lang="en-US"/>
           </a:p>
@@ -2674,7 +2681,7 @@
           <a:p>
             <a:fld id="{EAFF13F3-69BB-4684-A6A9-4F07D0146CB5}" type="datetimeFigureOut">
               <a:rPr lang="en-US" smtClean="0"/>
-              <a:t>6/15/2020</a:t>
+              <a:t>6/17/2020</a:t>
             </a:fld>
             <a:endParaRPr lang="en-US"/>
           </a:p>
@@ -2915,7 +2922,7 @@
           <a:p>
             <a:fld id="{EAFF13F3-69BB-4684-A6A9-4F07D0146CB5}" type="datetimeFigureOut">
               <a:rPr lang="en-US" smtClean="0"/>
-              <a:t>6/15/2020</a:t>
+              <a:t>6/17/2020</a:t>
             </a:fld>
             <a:endParaRPr lang="en-US"/>
           </a:p>
@@ -3517,7 +3524,770 @@
 </p:sld>
 </file>
 
-<file path=ppt/slides/slide2.xml><?xml version="1.0" encoding="utf-8"?>
+<file path=ppt/slides/slide10.xml><?xml version="1.0" encoding="utf-8"?>
+<p:sld xmlns:a="http://schemas.openxmlformats.org/drawingml/2006/main" xmlns:r="http://schemas.openxmlformats.org/officeDocument/2006/relationships" xmlns:p="http://schemas.openxmlformats.org/presentationml/2006/main">
+  <p:cSld>
+    <p:bg>
+      <p:bgPr>
+        <a:solidFill>
+          <a:schemeClr val="bg1"/>
+        </a:solidFill>
+        <a:effectLst/>
+      </p:bgPr>
+    </p:bg>
+    <p:spTree>
+      <p:nvGrpSpPr>
+        <p:cNvPr id="1" name=""/>
+        <p:cNvGrpSpPr/>
+        <p:nvPr/>
+      </p:nvGrpSpPr>
+      <p:grpSpPr>
+        <a:xfrm>
+          <a:off x="0" y="0"/>
+          <a:ext cx="0" cy="0"/>
+          <a:chOff x="0" y="0"/>
+          <a:chExt cx="0" cy="0"/>
+        </a:xfrm>
+      </p:grpSpPr>
+      <p:sp>
+        <p:nvSpPr>
+          <p:cNvPr id="2" name="Title 1">
+            <a:extLst>
+              <a:ext uri="{FF2B5EF4-FFF2-40B4-BE49-F238E27FC236}">
+                <a16:creationId xmlns:a16="http://schemas.microsoft.com/office/drawing/2014/main" id="{739284B2-1A3A-4D81-9ADF-6114850D22C5}"/>
+              </a:ext>
+            </a:extLst>
+          </p:cNvPr>
+          <p:cNvSpPr>
+            <a:spLocks noGrp="1"/>
+          </p:cNvSpPr>
+          <p:nvPr>
+            <p:ph type="title"/>
+          </p:nvPr>
+        </p:nvSpPr>
+        <p:spPr>
+          <a:xfrm>
+            <a:off x="645858" y="5110423"/>
+            <a:ext cx="10906061" cy="671540"/>
+          </a:xfrm>
+          <a:noFill/>
+        </p:spPr>
+        <p:txBody>
+          <a:bodyPr vert="horz" lIns="91440" tIns="45720" rIns="91440" bIns="45720" rtlCol="0" anchor="ctr">
+            <a:normAutofit/>
+          </a:bodyPr>
+          <a:lstStyle/>
+          <a:p>
+            <a:pPr algn="ctr"/>
+            <a:r>
+              <a:rPr lang="en-US" sz="4100"/>
+              <a:t>Свойства Базиса Грёбнера</a:t>
+            </a:r>
+          </a:p>
+        </p:txBody>
+      </p:sp>
+      <p:sp>
+        <p:nvSpPr>
+          <p:cNvPr id="9" name="Rectangle 8">
+            <a:extLst>
+              <a:ext uri="{FF2B5EF4-FFF2-40B4-BE49-F238E27FC236}">
+                <a16:creationId xmlns:a16="http://schemas.microsoft.com/office/drawing/2014/main" id="{71FC7D98-7B8B-402A-90FC-F027482F2142}"/>
+              </a:ext>
+              <a:ext uri="{C183D7F6-B498-43B3-948B-1728B52AA6E4}">
+                <adec:decorative xmlns:adec="http://schemas.microsoft.com/office/drawing/2017/decorative" val="1"/>
+              </a:ext>
+            </a:extLst>
+          </p:cNvPr>
+          <p:cNvSpPr>
+            <a:spLocks noGrp="1" noRot="1" noChangeAspect="1" noMove="1" noResize="1" noEditPoints="1" noAdjustHandles="1" noChangeArrowheads="1" noChangeShapeType="1" noTextEdit="1"/>
+          </p:cNvSpPr>
+          <p:nvPr>
+            <p:extLst>
+              <p:ext uri="{386F3935-93C4-4BCD-93E2-E3B085C9AB24}">
+                <p16:designElem xmlns:p16="http://schemas.microsoft.com/office/powerpoint/2015/main" val="1"/>
+              </p:ext>
+            </p:extLst>
+          </p:nvPr>
+        </p:nvSpPr>
+        <p:spPr>
+          <a:xfrm>
+            <a:off x="-2" y="0"/>
+            <a:ext cx="12192002" cy="4822479"/>
+          </a:xfrm>
+          <a:prstGeom prst="rect">
+            <a:avLst/>
+          </a:prstGeom>
+          <a:solidFill>
+            <a:srgbClr val="C8CACA"/>
+          </a:solidFill>
+          <a:ln>
+            <a:noFill/>
+          </a:ln>
+        </p:spPr>
+        <p:style>
+          <a:lnRef idx="2">
+            <a:schemeClr val="accent1">
+              <a:shade val="50000"/>
+            </a:schemeClr>
+          </a:lnRef>
+          <a:fillRef idx="1">
+            <a:schemeClr val="accent1"/>
+          </a:fillRef>
+          <a:effectRef idx="0">
+            <a:schemeClr val="accent1"/>
+          </a:effectRef>
+          <a:fontRef idx="minor">
+            <a:schemeClr val="lt1"/>
+          </a:fontRef>
+        </p:style>
+        <p:txBody>
+          <a:bodyPr rtlCol="0" anchor="ctr"/>
+          <a:lstStyle/>
+          <a:p>
+            <a:pPr algn="ctr"/>
+            <a:endParaRPr lang="en-US"/>
+          </a:p>
+        </p:txBody>
+      </p:sp>
+      <p:sp>
+        <p:nvSpPr>
+          <p:cNvPr id="11" name="Rounded Rectangle 28">
+            <a:extLst>
+              <a:ext uri="{FF2B5EF4-FFF2-40B4-BE49-F238E27FC236}">
+                <a16:creationId xmlns:a16="http://schemas.microsoft.com/office/drawing/2014/main" id="{AD7356EA-285B-4E5D-8FEC-104659A4FD2C}"/>
+              </a:ext>
+              <a:ext uri="{C183D7F6-B498-43B3-948B-1728B52AA6E4}">
+                <adec:decorative xmlns:adec="http://schemas.microsoft.com/office/drawing/2017/decorative" val="1"/>
+              </a:ext>
+            </a:extLst>
+          </p:cNvPr>
+          <p:cNvSpPr>
+            <a:spLocks noGrp="1" noRot="1" noChangeAspect="1" noMove="1" noResize="1" noEditPoints="1" noAdjustHandles="1" noChangeArrowheads="1" noChangeShapeType="1" noTextEdit="1"/>
+          </p:cNvSpPr>
+          <p:nvPr>
+            <p:extLst>
+              <p:ext uri="{386F3935-93C4-4BCD-93E2-E3B085C9AB24}">
+                <p16:designElem xmlns:p16="http://schemas.microsoft.com/office/powerpoint/2015/main" val="1"/>
+              </p:ext>
+            </p:extLst>
+          </p:nvPr>
+        </p:nvSpPr>
+        <p:spPr>
+          <a:xfrm>
+            <a:off x="2004562" y="640091"/>
+            <a:ext cx="8182876" cy="3881110"/>
+          </a:xfrm>
+          <a:prstGeom prst="roundRect">
+            <a:avLst>
+              <a:gd name="adj" fmla="val 0"/>
+            </a:avLst>
+          </a:prstGeom>
+          <a:solidFill>
+            <a:srgbClr val="FFFFFF"/>
+          </a:solidFill>
+          <a:ln w="9525">
+            <a:solidFill>
+              <a:srgbClr val="C8CACA"/>
+            </a:solidFill>
+          </a:ln>
+          <a:effectLst>
+            <a:outerShdw blurRad="57150" dist="19050" dir="5400000" algn="t" rotWithShape="0">
+              <a:prstClr val="black">
+                <a:alpha val="63000"/>
+              </a:prstClr>
+            </a:outerShdw>
+          </a:effectLst>
+        </p:spPr>
+        <p:style>
+          <a:lnRef idx="2">
+            <a:schemeClr val="accent1">
+              <a:shade val="50000"/>
+            </a:schemeClr>
+          </a:lnRef>
+          <a:fillRef idx="1">
+            <a:schemeClr val="accent1"/>
+          </a:fillRef>
+          <a:effectRef idx="0">
+            <a:schemeClr val="accent1"/>
+          </a:effectRef>
+          <a:fontRef idx="minor">
+            <a:schemeClr val="lt1"/>
+          </a:fontRef>
+        </p:style>
+        <p:txBody>
+          <a:bodyPr rtlCol="0" anchor="ctr"/>
+          <a:lstStyle/>
+          <a:p>
+            <a:pPr algn="ctr"/>
+            <a:endParaRPr lang="en-US" dirty="0"/>
+          </a:p>
+        </p:txBody>
+      </p:sp>
+      <p:pic>
+        <p:nvPicPr>
+          <p:cNvPr id="4" name="Content Placeholder 3">
+            <a:extLst>
+              <a:ext uri="{FF2B5EF4-FFF2-40B4-BE49-F238E27FC236}">
+                <a16:creationId xmlns:a16="http://schemas.microsoft.com/office/drawing/2014/main" id="{E110BAFA-60FF-4D4F-9F38-693507BAD543}"/>
+              </a:ext>
+            </a:extLst>
+          </p:cNvPr>
+          <p:cNvPicPr>
+            <a:picLocks noGrp="1" noChangeAspect="1"/>
+          </p:cNvPicPr>
+          <p:nvPr>
+            <p:ph idx="1"/>
+          </p:nvPr>
+        </p:nvPicPr>
+        <p:blipFill rotWithShape="1">
+          <a:blip r:embed="rId2"/>
+          <a:srcRect r="3358" b="-2"/>
+          <a:stretch/>
+        </p:blipFill>
+        <p:spPr>
+          <a:xfrm>
+            <a:off x="2170029" y="804672"/>
+            <a:ext cx="7851943" cy="3554676"/>
+          </a:xfrm>
+          <a:prstGeom prst="rect">
+            <a:avLst/>
+          </a:prstGeom>
+          <a:effectLst/>
+        </p:spPr>
+      </p:pic>
+    </p:spTree>
+    <p:extLst>
+      <p:ext uri="{BB962C8B-B14F-4D97-AF65-F5344CB8AC3E}">
+        <p14:creationId xmlns:p14="http://schemas.microsoft.com/office/powerpoint/2010/main" val="2699487783"/>
+      </p:ext>
+    </p:extLst>
+  </p:cSld>
+  <p:clrMapOvr>
+    <a:masterClrMapping/>
+  </p:clrMapOvr>
+</p:sld>
+</file>
+
+<file path=ppt/slides/slide11.xml><?xml version="1.0" encoding="utf-8"?>
+<p:sld xmlns:a="http://schemas.openxmlformats.org/drawingml/2006/main" xmlns:r="http://schemas.openxmlformats.org/officeDocument/2006/relationships" xmlns:p="http://schemas.openxmlformats.org/presentationml/2006/main">
+  <p:cSld>
+    <p:bg>
+      <p:bgPr>
+        <a:solidFill>
+          <a:schemeClr val="bg2"/>
+        </a:solidFill>
+        <a:effectLst/>
+      </p:bgPr>
+    </p:bg>
+    <p:spTree>
+      <p:nvGrpSpPr>
+        <p:cNvPr id="1" name=""/>
+        <p:cNvGrpSpPr/>
+        <p:nvPr/>
+      </p:nvGrpSpPr>
+      <p:grpSpPr>
+        <a:xfrm>
+          <a:off x="0" y="0"/>
+          <a:ext cx="0" cy="0"/>
+          <a:chOff x="0" y="0"/>
+          <a:chExt cx="0" cy="0"/>
+        </a:xfrm>
+      </p:grpSpPr>
+      <p:sp>
+        <p:nvSpPr>
+          <p:cNvPr id="13" name="Rectangle 12">
+            <a:extLst>
+              <a:ext uri="{FF2B5EF4-FFF2-40B4-BE49-F238E27FC236}">
+                <a16:creationId xmlns:a16="http://schemas.microsoft.com/office/drawing/2014/main" id="{BEE73255-8084-4DF9-BB0B-15EAC92E2CB9}"/>
+              </a:ext>
+              <a:ext uri="{C183D7F6-B498-43B3-948B-1728B52AA6E4}">
+                <adec:decorative xmlns:adec="http://schemas.microsoft.com/office/drawing/2017/decorative" val="1"/>
+              </a:ext>
+            </a:extLst>
+          </p:cNvPr>
+          <p:cNvSpPr>
+            <a:spLocks noGrp="1" noRot="1" noChangeAspect="1" noMove="1" noResize="1" noEditPoints="1" noAdjustHandles="1" noChangeArrowheads="1" noChangeShapeType="1" noTextEdit="1"/>
+          </p:cNvSpPr>
+          <p:nvPr>
+            <p:extLst>
+              <p:ext uri="{386F3935-93C4-4BCD-93E2-E3B085C9AB24}">
+                <p16:designElem xmlns:p16="http://schemas.microsoft.com/office/powerpoint/2015/main" val="1"/>
+              </p:ext>
+            </p:extLst>
+          </p:nvPr>
+        </p:nvSpPr>
+        <p:spPr>
+          <a:xfrm>
+            <a:off x="0" y="0"/>
+            <a:ext cx="12192000" cy="6858000"/>
+          </a:xfrm>
+          <a:prstGeom prst="rect">
+            <a:avLst/>
+          </a:prstGeom>
+          <a:solidFill>
+            <a:srgbClr val="C8CACA"/>
+          </a:solidFill>
+          <a:ln>
+            <a:noFill/>
+          </a:ln>
+        </p:spPr>
+        <p:style>
+          <a:lnRef idx="2">
+            <a:schemeClr val="accent1">
+              <a:shade val="50000"/>
+            </a:schemeClr>
+          </a:lnRef>
+          <a:fillRef idx="1">
+            <a:schemeClr val="accent1"/>
+          </a:fillRef>
+          <a:effectRef idx="0">
+            <a:schemeClr val="accent1"/>
+          </a:effectRef>
+          <a:fontRef idx="minor">
+            <a:schemeClr val="lt1"/>
+          </a:fontRef>
+        </p:style>
+        <p:txBody>
+          <a:bodyPr rtlCol="0" anchor="ctr"/>
+          <a:lstStyle/>
+          <a:p>
+            <a:pPr algn="ctr"/>
+            <a:endParaRPr lang="en-US"/>
+          </a:p>
+        </p:txBody>
+      </p:sp>
+      <p:sp>
+        <p:nvSpPr>
+          <p:cNvPr id="2" name="Title 1">
+            <a:extLst>
+              <a:ext uri="{FF2B5EF4-FFF2-40B4-BE49-F238E27FC236}">
+                <a16:creationId xmlns:a16="http://schemas.microsoft.com/office/drawing/2014/main" id="{49273C55-3081-459F-A9EF-653C1C662111}"/>
+              </a:ext>
+            </a:extLst>
+          </p:cNvPr>
+          <p:cNvSpPr>
+            <a:spLocks noGrp="1"/>
+          </p:cNvSpPr>
+          <p:nvPr>
+            <p:ph type="title"/>
+          </p:nvPr>
+        </p:nvSpPr>
+        <p:spPr>
+          <a:xfrm>
+            <a:off x="603938" y="640081"/>
+            <a:ext cx="2608655" cy="5257799"/>
+          </a:xfrm>
+        </p:spPr>
+        <p:txBody>
+          <a:bodyPr vert="horz" lIns="91440" tIns="45720" rIns="91440" bIns="45720" rtlCol="0" anchor="ctr">
+            <a:normAutofit/>
+          </a:bodyPr>
+          <a:lstStyle/>
+          <a:p>
+            <a:r>
+              <a:rPr lang="en-US" sz="3600">
+                <a:solidFill>
+                  <a:srgbClr val="2C2C2C"/>
+                </a:solidFill>
+              </a:rPr>
+              <a:t>Алгоритм Бухбергера </a:t>
+            </a:r>
+          </a:p>
+        </p:txBody>
+      </p:sp>
+      <p:sp>
+        <p:nvSpPr>
+          <p:cNvPr id="15" name="Rounded Rectangle 9">
+            <a:extLst>
+              <a:ext uri="{FF2B5EF4-FFF2-40B4-BE49-F238E27FC236}">
+                <a16:creationId xmlns:a16="http://schemas.microsoft.com/office/drawing/2014/main" id="{67048353-8981-459A-9BC6-9711CE462E06}"/>
+              </a:ext>
+              <a:ext uri="{C183D7F6-B498-43B3-948B-1728B52AA6E4}">
+                <adec:decorative xmlns:adec="http://schemas.microsoft.com/office/drawing/2017/decorative" val="1"/>
+              </a:ext>
+            </a:extLst>
+          </p:cNvPr>
+          <p:cNvSpPr>
+            <a:spLocks noGrp="1" noRot="1" noChangeAspect="1" noMove="1" noResize="1" noEditPoints="1" noAdjustHandles="1" noChangeArrowheads="1" noChangeShapeType="1" noTextEdit="1"/>
+          </p:cNvSpPr>
+          <p:nvPr>
+            <p:extLst>
+              <p:ext uri="{386F3935-93C4-4BCD-93E2-E3B085C9AB24}">
+                <p16:designElem xmlns:p16="http://schemas.microsoft.com/office/powerpoint/2015/main" val="1"/>
+              </p:ext>
+            </p:extLst>
+          </p:nvPr>
+        </p:nvSpPr>
+        <p:spPr>
+          <a:xfrm>
+            <a:off x="3580067" y="484632"/>
+            <a:ext cx="8129016" cy="5724144"/>
+          </a:xfrm>
+          <a:prstGeom prst="roundRect">
+            <a:avLst>
+              <a:gd name="adj" fmla="val 0"/>
+            </a:avLst>
+          </a:prstGeom>
+          <a:solidFill>
+            <a:srgbClr val="FFFFFF"/>
+          </a:solidFill>
+          <a:ln w="9525">
+            <a:solidFill>
+              <a:srgbClr val="C8CACA"/>
+            </a:solidFill>
+          </a:ln>
+          <a:effectLst>
+            <a:outerShdw blurRad="57150" dist="19050" dir="5400000" algn="t" rotWithShape="0">
+              <a:prstClr val="black">
+                <a:alpha val="63000"/>
+              </a:prstClr>
+            </a:outerShdw>
+          </a:effectLst>
+        </p:spPr>
+        <p:style>
+          <a:lnRef idx="2">
+            <a:schemeClr val="accent1">
+              <a:shade val="50000"/>
+            </a:schemeClr>
+          </a:lnRef>
+          <a:fillRef idx="1">
+            <a:schemeClr val="accent1"/>
+          </a:fillRef>
+          <a:effectRef idx="0">
+            <a:schemeClr val="accent1"/>
+          </a:effectRef>
+          <a:fontRef idx="minor">
+            <a:schemeClr val="lt1"/>
+          </a:fontRef>
+        </p:style>
+        <p:txBody>
+          <a:bodyPr rtlCol="0" anchor="ctr"/>
+          <a:lstStyle/>
+          <a:p>
+            <a:pPr algn="ctr"/>
+            <a:endParaRPr lang="en-US"/>
+          </a:p>
+        </p:txBody>
+      </p:sp>
+      <p:pic>
+        <p:nvPicPr>
+          <p:cNvPr id="8" name="Content Placeholder 7">
+            <a:extLst>
+              <a:ext uri="{FF2B5EF4-FFF2-40B4-BE49-F238E27FC236}">
+                <a16:creationId xmlns:a16="http://schemas.microsoft.com/office/drawing/2014/main" id="{A03E2E7E-42B9-4982-8B33-AF2991C83D6C}"/>
+              </a:ext>
+            </a:extLst>
+          </p:cNvPr>
+          <p:cNvPicPr>
+            <a:picLocks noGrp="1" noChangeAspect="1"/>
+          </p:cNvPicPr>
+          <p:nvPr>
+            <p:ph idx="1"/>
+          </p:nvPr>
+        </p:nvPicPr>
+        <p:blipFill rotWithShape="1">
+          <a:blip r:embed="rId2"/>
+          <a:srcRect b="11677"/>
+          <a:stretch/>
+        </p:blipFill>
+        <p:spPr>
+          <a:xfrm>
+            <a:off x="3816531" y="761885"/>
+            <a:ext cx="7678783" cy="5154404"/>
+          </a:xfrm>
+          <a:prstGeom prst="rect">
+            <a:avLst/>
+          </a:prstGeom>
+          <a:effectLst/>
+        </p:spPr>
+      </p:pic>
+    </p:spTree>
+    <p:extLst>
+      <p:ext uri="{BB962C8B-B14F-4D97-AF65-F5344CB8AC3E}">
+        <p14:creationId xmlns:p14="http://schemas.microsoft.com/office/powerpoint/2010/main" val="901036715"/>
+      </p:ext>
+    </p:extLst>
+  </p:cSld>
+  <p:clrMapOvr>
+    <a:masterClrMapping/>
+  </p:clrMapOvr>
+</p:sld>
+</file>
+
+<file path=ppt/slides/slide12.xml><?xml version="1.0" encoding="utf-8"?>
+<p:sld xmlns:a="http://schemas.openxmlformats.org/drawingml/2006/main" xmlns:r="http://schemas.openxmlformats.org/officeDocument/2006/relationships" xmlns:p="http://schemas.openxmlformats.org/presentationml/2006/main">
+  <p:cSld>
+    <p:bg>
+      <p:bgPr>
+        <a:solidFill>
+          <a:schemeClr val="bg1"/>
+        </a:solidFill>
+        <a:effectLst/>
+      </p:bgPr>
+    </p:bg>
+    <p:spTree>
+      <p:nvGrpSpPr>
+        <p:cNvPr id="1" name=""/>
+        <p:cNvGrpSpPr/>
+        <p:nvPr/>
+      </p:nvGrpSpPr>
+      <p:grpSpPr>
+        <a:xfrm>
+          <a:off x="0" y="0"/>
+          <a:ext cx="0" cy="0"/>
+          <a:chOff x="0" y="0"/>
+          <a:chExt cx="0" cy="0"/>
+        </a:xfrm>
+      </p:grpSpPr>
+      <p:sp>
+        <p:nvSpPr>
+          <p:cNvPr id="2" name="Title 1">
+            <a:extLst>
+              <a:ext uri="{FF2B5EF4-FFF2-40B4-BE49-F238E27FC236}">
+                <a16:creationId xmlns:a16="http://schemas.microsoft.com/office/drawing/2014/main" id="{150DDC6B-7BB6-4C99-9ED1-F9AB56C06FDF}"/>
+              </a:ext>
+            </a:extLst>
+          </p:cNvPr>
+          <p:cNvSpPr>
+            <a:spLocks noGrp="1"/>
+          </p:cNvSpPr>
+          <p:nvPr>
+            <p:ph type="title"/>
+          </p:nvPr>
+        </p:nvSpPr>
+        <p:spPr>
+          <a:xfrm>
+            <a:off x="648930" y="629266"/>
+            <a:ext cx="3605572" cy="1676603"/>
+          </a:xfrm>
+        </p:spPr>
+        <p:txBody>
+          <a:bodyPr>
+            <a:normAutofit/>
+          </a:bodyPr>
+          <a:lstStyle/>
+          <a:p>
+            <a:r>
+              <a:rPr lang="ru-RU" sz="3700"/>
+              <a:t>Минимальный и редуцированный базисы Грёбнера</a:t>
+            </a:r>
+            <a:endParaRPr lang="en-US" sz="3700"/>
+          </a:p>
+        </p:txBody>
+      </p:sp>
+      <p:sp>
+        <p:nvSpPr>
+          <p:cNvPr id="3" name="Content Placeholder 2">
+            <a:extLst>
+              <a:ext uri="{FF2B5EF4-FFF2-40B4-BE49-F238E27FC236}">
+                <a16:creationId xmlns:a16="http://schemas.microsoft.com/office/drawing/2014/main" id="{A28CA509-31FD-40ED-9610-025ED2560693}"/>
+              </a:ext>
+            </a:extLst>
+          </p:cNvPr>
+          <p:cNvSpPr>
+            <a:spLocks noGrp="1"/>
+          </p:cNvSpPr>
+          <p:nvPr>
+            <p:ph idx="1"/>
+          </p:nvPr>
+        </p:nvSpPr>
+        <p:spPr>
+          <a:xfrm>
+            <a:off x="648931" y="2438401"/>
+            <a:ext cx="3605571" cy="3779520"/>
+          </a:xfrm>
+        </p:spPr>
+        <p:txBody>
+          <a:bodyPr>
+            <a:normAutofit/>
+          </a:bodyPr>
+          <a:lstStyle/>
+          <a:p>
+            <a:endParaRPr lang="en-US" sz="1800" dirty="0"/>
+          </a:p>
+        </p:txBody>
+      </p:sp>
+      <p:sp>
+        <p:nvSpPr>
+          <p:cNvPr id="9" name="Rectangle 8">
+            <a:extLst>
+              <a:ext uri="{FF2B5EF4-FFF2-40B4-BE49-F238E27FC236}">
+                <a16:creationId xmlns:a16="http://schemas.microsoft.com/office/drawing/2014/main" id="{577D1452-F0B7-431E-9A24-D3F7103D8510}"/>
+              </a:ext>
+              <a:ext uri="{C183D7F6-B498-43B3-948B-1728B52AA6E4}">
+                <adec:decorative xmlns:adec="http://schemas.microsoft.com/office/drawing/2017/decorative" val="1"/>
+              </a:ext>
+            </a:extLst>
+          </p:cNvPr>
+          <p:cNvSpPr>
+            <a:spLocks noGrp="1" noRot="1" noChangeAspect="1" noMove="1" noResize="1" noEditPoints="1" noAdjustHandles="1" noChangeArrowheads="1" noChangeShapeType="1" noTextEdit="1"/>
+          </p:cNvSpPr>
+          <p:nvPr>
+            <p:extLst>
+              <p:ext uri="{386F3935-93C4-4BCD-93E2-E3B085C9AB24}">
+                <p16:designElem xmlns:p16="http://schemas.microsoft.com/office/powerpoint/2015/main" val="1"/>
+              </p:ext>
+            </p:extLst>
+          </p:nvPr>
+        </p:nvSpPr>
+        <p:spPr>
+          <a:xfrm>
+            <a:off x="4639056" y="0"/>
+            <a:ext cx="7552944" cy="6858000"/>
+          </a:xfrm>
+          <a:prstGeom prst="rect">
+            <a:avLst/>
+          </a:prstGeom>
+          <a:solidFill>
+            <a:srgbClr val="C8CACA"/>
+          </a:solidFill>
+          <a:ln>
+            <a:noFill/>
+          </a:ln>
+        </p:spPr>
+        <p:style>
+          <a:lnRef idx="2">
+            <a:schemeClr val="accent1">
+              <a:shade val="50000"/>
+            </a:schemeClr>
+          </a:lnRef>
+          <a:fillRef idx="1">
+            <a:schemeClr val="accent1"/>
+          </a:fillRef>
+          <a:effectRef idx="0">
+            <a:schemeClr val="accent1"/>
+          </a:effectRef>
+          <a:fontRef idx="minor">
+            <a:schemeClr val="lt1"/>
+          </a:fontRef>
+        </p:style>
+        <p:txBody>
+          <a:bodyPr rtlCol="0" anchor="ctr"/>
+          <a:lstStyle/>
+          <a:p>
+            <a:pPr algn="ctr"/>
+            <a:endParaRPr lang="en-US"/>
+          </a:p>
+        </p:txBody>
+      </p:sp>
+      <p:sp>
+        <p:nvSpPr>
+          <p:cNvPr id="11" name="Rounded Rectangle 20">
+            <a:extLst>
+              <a:ext uri="{FF2B5EF4-FFF2-40B4-BE49-F238E27FC236}">
+                <a16:creationId xmlns:a16="http://schemas.microsoft.com/office/drawing/2014/main" id="{A660F4F9-5DF5-4F15-BE6A-CD8648BB1148}"/>
+              </a:ext>
+              <a:ext uri="{C183D7F6-B498-43B3-948B-1728B52AA6E4}">
+                <adec:decorative xmlns:adec="http://schemas.microsoft.com/office/drawing/2017/decorative" val="1"/>
+              </a:ext>
+            </a:extLst>
+          </p:cNvPr>
+          <p:cNvSpPr>
+            <a:spLocks noGrp="1" noRot="1" noChangeAspect="1" noMove="1" noResize="1" noEditPoints="1" noAdjustHandles="1" noChangeArrowheads="1" noChangeShapeType="1" noTextEdit="1"/>
+          </p:cNvSpPr>
+          <p:nvPr>
+            <p:extLst>
+              <p:ext uri="{386F3935-93C4-4BCD-93E2-E3B085C9AB24}">
+                <p16:designElem xmlns:p16="http://schemas.microsoft.com/office/powerpoint/2015/main" val="1"/>
+              </p:ext>
+            </p:extLst>
+          </p:nvPr>
+        </p:nvSpPr>
+        <p:spPr>
+          <a:xfrm>
+            <a:off x="5118267" y="559407"/>
+            <a:ext cx="6594522" cy="5739187"/>
+          </a:xfrm>
+          <a:prstGeom prst="roundRect">
+            <a:avLst>
+              <a:gd name="adj" fmla="val 0"/>
+            </a:avLst>
+          </a:prstGeom>
+          <a:solidFill>
+            <a:srgbClr val="FFFFFF"/>
+          </a:solidFill>
+          <a:ln w="9525">
+            <a:solidFill>
+              <a:srgbClr val="C8CACA"/>
+            </a:solidFill>
+          </a:ln>
+          <a:effectLst>
+            <a:outerShdw blurRad="57150" dist="19050" dir="5400000" algn="t" rotWithShape="0">
+              <a:prstClr val="black">
+                <a:alpha val="63000"/>
+              </a:prstClr>
+            </a:outerShdw>
+          </a:effectLst>
+        </p:spPr>
+        <p:style>
+          <a:lnRef idx="2">
+            <a:schemeClr val="accent1">
+              <a:shade val="50000"/>
+            </a:schemeClr>
+          </a:lnRef>
+          <a:fillRef idx="1">
+            <a:schemeClr val="accent1"/>
+          </a:fillRef>
+          <a:effectRef idx="0">
+            <a:schemeClr val="accent1"/>
+          </a:effectRef>
+          <a:fontRef idx="minor">
+            <a:schemeClr val="lt1"/>
+          </a:fontRef>
+        </p:style>
+        <p:txBody>
+          <a:bodyPr rtlCol="0" anchor="ctr"/>
+          <a:lstStyle/>
+          <a:p>
+            <a:pPr algn="ctr"/>
+            <a:endParaRPr lang="en-US"/>
+          </a:p>
+        </p:txBody>
+      </p:sp>
+      <p:pic>
+        <p:nvPicPr>
+          <p:cNvPr id="4" name="Picture 3">
+            <a:extLst>
+              <a:ext uri="{FF2B5EF4-FFF2-40B4-BE49-F238E27FC236}">
+                <a16:creationId xmlns:a16="http://schemas.microsoft.com/office/drawing/2014/main" id="{96D84F90-D730-4599-84CB-A7C7B72246AE}"/>
+              </a:ext>
+            </a:extLst>
+          </p:cNvPr>
+          <p:cNvPicPr>
+            <a:picLocks noChangeAspect="1"/>
+          </p:cNvPicPr>
+          <p:nvPr/>
+        </p:nvPicPr>
+        <p:blipFill rotWithShape="1">
+          <a:blip r:embed="rId2"/>
+          <a:srcRect t="688" r="-1" b="3018"/>
+          <a:stretch/>
+        </p:blipFill>
+        <p:spPr>
+          <a:xfrm>
+            <a:off x="5283708" y="722376"/>
+            <a:ext cx="6263640" cy="5413248"/>
+          </a:xfrm>
+          <a:prstGeom prst="rect">
+            <a:avLst/>
+          </a:prstGeom>
+          <a:effectLst/>
+        </p:spPr>
+      </p:pic>
+    </p:spTree>
+    <p:extLst>
+      <p:ext uri="{BB962C8B-B14F-4D97-AF65-F5344CB8AC3E}">
+        <p14:creationId xmlns:p14="http://schemas.microsoft.com/office/powerpoint/2010/main" val="2091239024"/>
+      </p:ext>
+    </p:extLst>
+  </p:cSld>
+  <p:clrMapOvr>
+    <a:masterClrMapping/>
+  </p:clrMapOvr>
+</p:sld>
+</file>
+
+<file path=ppt/slides/slide13.xml><?xml version="1.0" encoding="utf-8"?>
 <p:sld xmlns:a="http://schemas.openxmlformats.org/drawingml/2006/main" xmlns:r="http://schemas.openxmlformats.org/officeDocument/2006/relationships" xmlns:p="http://schemas.openxmlformats.org/presentationml/2006/main">
   <p:cSld>
     <p:spTree>
@@ -3539,6 +4309,318 @@
           <p:cNvPr id="2" name="Title 1">
             <a:extLst>
               <a:ext uri="{FF2B5EF4-FFF2-40B4-BE49-F238E27FC236}">
+                <a16:creationId xmlns:a16="http://schemas.microsoft.com/office/drawing/2014/main" id="{2822AE88-D145-42EE-8CD0-7E07B0F21B3D}"/>
+              </a:ext>
+            </a:extLst>
+          </p:cNvPr>
+          <p:cNvSpPr>
+            <a:spLocks noGrp="1"/>
+          </p:cNvSpPr>
+          <p:nvPr>
+            <p:ph type="title"/>
+          </p:nvPr>
+        </p:nvSpPr>
+        <p:spPr/>
+        <p:txBody>
+          <a:bodyPr/>
+          <a:lstStyle/>
+          <a:p>
+            <a:pPr algn="ctr"/>
+            <a:endParaRPr lang="en-US" dirty="0"/>
+          </a:p>
+        </p:txBody>
+      </p:sp>
+      <p:sp>
+        <p:nvSpPr>
+          <p:cNvPr id="3" name="Content Placeholder 2">
+            <a:extLst>
+              <a:ext uri="{FF2B5EF4-FFF2-40B4-BE49-F238E27FC236}">
+                <a16:creationId xmlns:a16="http://schemas.microsoft.com/office/drawing/2014/main" id="{934ACC3A-8155-4C45-B4C8-D32BDB566860}"/>
+              </a:ext>
+            </a:extLst>
+          </p:cNvPr>
+          <p:cNvSpPr>
+            <a:spLocks noGrp="1"/>
+          </p:cNvSpPr>
+          <p:nvPr>
+            <p:ph idx="1"/>
+          </p:nvPr>
+        </p:nvSpPr>
+        <p:spPr/>
+        <p:txBody>
+          <a:bodyPr/>
+          <a:lstStyle/>
+          <a:p>
+            <a:endParaRPr lang="en-US" dirty="0"/>
+          </a:p>
+        </p:txBody>
+      </p:sp>
+      <p:pic>
+        <p:nvPicPr>
+          <p:cNvPr id="4" name="Picture 3">
+            <a:extLst>
+              <a:ext uri="{FF2B5EF4-FFF2-40B4-BE49-F238E27FC236}">
+                <a16:creationId xmlns:a16="http://schemas.microsoft.com/office/drawing/2014/main" id="{4C9C6868-48E6-48F1-A282-75EB6FF0FD51}"/>
+              </a:ext>
+            </a:extLst>
+          </p:cNvPr>
+          <p:cNvPicPr>
+            <a:picLocks noChangeAspect="1"/>
+          </p:cNvPicPr>
+          <p:nvPr/>
+        </p:nvPicPr>
+        <p:blipFill>
+          <a:blip r:embed="rId2"/>
+          <a:stretch>
+            <a:fillRect/>
+          </a:stretch>
+        </p:blipFill>
+        <p:spPr>
+          <a:xfrm>
+            <a:off x="1644904" y="297821"/>
+            <a:ext cx="8902190" cy="2582734"/>
+          </a:xfrm>
+          <a:prstGeom prst="rect">
+            <a:avLst/>
+          </a:prstGeom>
+        </p:spPr>
+      </p:pic>
+      <p:pic>
+        <p:nvPicPr>
+          <p:cNvPr id="5" name="Picture 4">
+            <a:extLst>
+              <a:ext uri="{FF2B5EF4-FFF2-40B4-BE49-F238E27FC236}">
+                <a16:creationId xmlns:a16="http://schemas.microsoft.com/office/drawing/2014/main" id="{0A6AC6F0-117F-43BD-A768-A6D18326620B}"/>
+              </a:ext>
+            </a:extLst>
+          </p:cNvPr>
+          <p:cNvPicPr>
+            <a:picLocks noChangeAspect="1"/>
+          </p:cNvPicPr>
+          <p:nvPr/>
+        </p:nvPicPr>
+        <p:blipFill>
+          <a:blip r:embed="rId3"/>
+          <a:stretch>
+            <a:fillRect/>
+          </a:stretch>
+        </p:blipFill>
+        <p:spPr>
+          <a:xfrm>
+            <a:off x="1610361" y="3076595"/>
+            <a:ext cx="8971277" cy="3100368"/>
+          </a:xfrm>
+          <a:prstGeom prst="rect">
+            <a:avLst/>
+          </a:prstGeom>
+        </p:spPr>
+      </p:pic>
+    </p:spTree>
+    <p:extLst>
+      <p:ext uri="{BB962C8B-B14F-4D97-AF65-F5344CB8AC3E}">
+        <p14:creationId xmlns:p14="http://schemas.microsoft.com/office/powerpoint/2010/main" val="2606137364"/>
+      </p:ext>
+    </p:extLst>
+  </p:cSld>
+  <p:clrMapOvr>
+    <a:masterClrMapping/>
+  </p:clrMapOvr>
+</p:sld>
+</file>
+
+<file path=ppt/slides/slide14.xml><?xml version="1.0" encoding="utf-8"?>
+<p:sld xmlns:a="http://schemas.openxmlformats.org/drawingml/2006/main" xmlns:r="http://schemas.openxmlformats.org/officeDocument/2006/relationships" xmlns:p="http://schemas.openxmlformats.org/presentationml/2006/main">
+  <p:cSld>
+    <p:spTree>
+      <p:nvGrpSpPr>
+        <p:cNvPr id="1" name=""/>
+        <p:cNvGrpSpPr/>
+        <p:nvPr/>
+      </p:nvGrpSpPr>
+      <p:grpSpPr>
+        <a:xfrm>
+          <a:off x="0" y="0"/>
+          <a:ext cx="0" cy="0"/>
+          <a:chOff x="0" y="0"/>
+          <a:chExt cx="0" cy="0"/>
+        </a:xfrm>
+      </p:grpSpPr>
+      <p:sp>
+        <p:nvSpPr>
+          <p:cNvPr id="2" name="Title 1">
+            <a:extLst>
+              <a:ext uri="{FF2B5EF4-FFF2-40B4-BE49-F238E27FC236}">
+                <a16:creationId xmlns:a16="http://schemas.microsoft.com/office/drawing/2014/main" id="{BA8AADE7-C264-43D8-A4AD-11D90C6D7742}"/>
+              </a:ext>
+            </a:extLst>
+          </p:cNvPr>
+          <p:cNvSpPr>
+            <a:spLocks noGrp="1"/>
+          </p:cNvSpPr>
+          <p:nvPr>
+            <p:ph type="title"/>
+          </p:nvPr>
+        </p:nvSpPr>
+        <p:spPr/>
+        <p:txBody>
+          <a:bodyPr/>
+          <a:lstStyle/>
+          <a:p>
+            <a:endParaRPr lang="en-US"/>
+          </a:p>
+        </p:txBody>
+      </p:sp>
+      <p:sp>
+        <p:nvSpPr>
+          <p:cNvPr id="3" name="Content Placeholder 2">
+            <a:extLst>
+              <a:ext uri="{FF2B5EF4-FFF2-40B4-BE49-F238E27FC236}">
+                <a16:creationId xmlns:a16="http://schemas.microsoft.com/office/drawing/2014/main" id="{0893552D-36DC-4123-82C0-7D4B9FADB70F}"/>
+              </a:ext>
+            </a:extLst>
+          </p:cNvPr>
+          <p:cNvSpPr>
+            <a:spLocks noGrp="1"/>
+          </p:cNvSpPr>
+          <p:nvPr>
+            <p:ph idx="1"/>
+          </p:nvPr>
+        </p:nvSpPr>
+        <p:spPr>
+          <a:xfrm>
+            <a:off x="838200" y="2722269"/>
+            <a:ext cx="10515600" cy="4351338"/>
+          </a:xfrm>
+        </p:spPr>
+        <p:txBody>
+          <a:bodyPr>
+            <a:normAutofit/>
+          </a:bodyPr>
+          <a:lstStyle/>
+          <a:p>
+            <a:pPr marL="0" indent="0" algn="ctr">
+              <a:buNone/>
+            </a:pPr>
+            <a:r>
+              <a:rPr lang="ru-RU" sz="6600" i="1" dirty="0">
+                <a:latin typeface="Times New Roman" panose="02020603050405020304" pitchFamily="18" charset="0"/>
+                <a:cs typeface="Times New Roman" panose="02020603050405020304" pitchFamily="18" charset="0"/>
+              </a:rPr>
+              <a:t>Спасибо за внимание!</a:t>
+            </a:r>
+            <a:endParaRPr lang="en-US" sz="6600" i="1" dirty="0">
+              <a:latin typeface="Times New Roman" panose="02020603050405020304" pitchFamily="18" charset="0"/>
+              <a:cs typeface="Times New Roman" panose="02020603050405020304" pitchFamily="18" charset="0"/>
+            </a:endParaRPr>
+          </a:p>
+        </p:txBody>
+      </p:sp>
+    </p:spTree>
+    <p:extLst>
+      <p:ext uri="{BB962C8B-B14F-4D97-AF65-F5344CB8AC3E}">
+        <p14:creationId xmlns:p14="http://schemas.microsoft.com/office/powerpoint/2010/main" val="1839236738"/>
+      </p:ext>
+    </p:extLst>
+  </p:cSld>
+  <p:clrMapOvr>
+    <a:masterClrMapping/>
+  </p:clrMapOvr>
+</p:sld>
+</file>
+
+<file path=ppt/slides/slide2.xml><?xml version="1.0" encoding="utf-8"?>
+<p:sld xmlns:a="http://schemas.openxmlformats.org/drawingml/2006/main" xmlns:r="http://schemas.openxmlformats.org/officeDocument/2006/relationships" xmlns:p="http://schemas.openxmlformats.org/presentationml/2006/main">
+  <p:cSld>
+    <p:bg>
+      <p:bgPr>
+        <a:solidFill>
+          <a:schemeClr val="bg1"/>
+        </a:solidFill>
+        <a:effectLst/>
+      </p:bgPr>
+    </p:bg>
+    <p:spTree>
+      <p:nvGrpSpPr>
+        <p:cNvPr id="1" name=""/>
+        <p:cNvGrpSpPr/>
+        <p:nvPr/>
+      </p:nvGrpSpPr>
+      <p:grpSpPr>
+        <a:xfrm>
+          <a:off x="0" y="0"/>
+          <a:ext cx="0" cy="0"/>
+          <a:chOff x="0" y="0"/>
+          <a:chExt cx="0" cy="0"/>
+        </a:xfrm>
+      </p:grpSpPr>
+      <p:sp>
+        <p:nvSpPr>
+          <p:cNvPr id="8" name="Rectangle 7">
+            <a:extLst>
+              <a:ext uri="{FF2B5EF4-FFF2-40B4-BE49-F238E27FC236}">
+                <a16:creationId xmlns:a16="http://schemas.microsoft.com/office/drawing/2014/main" id="{2B566528-1B12-4246-9431-5C2D7D081168}"/>
+              </a:ext>
+              <a:ext uri="{C183D7F6-B498-43B3-948B-1728B52AA6E4}">
+                <adec:decorative xmlns:adec="http://schemas.microsoft.com/office/drawing/2017/decorative" val="1"/>
+              </a:ext>
+            </a:extLst>
+          </p:cNvPr>
+          <p:cNvSpPr>
+            <a:spLocks noGrp="1" noRot="1" noChangeAspect="1" noMove="1" noResize="1" noEditPoints="1" noAdjustHandles="1" noChangeArrowheads="1" noChangeShapeType="1" noTextEdit="1"/>
+          </p:cNvSpPr>
+          <p:nvPr>
+            <p:extLst>
+              <p:ext uri="{386F3935-93C4-4BCD-93E2-E3B085C9AB24}">
+                <p16:designElem xmlns:p16="http://schemas.microsoft.com/office/powerpoint/2015/main" val="1"/>
+              </p:ext>
+            </p:extLst>
+          </p:nvPr>
+        </p:nvSpPr>
+        <p:spPr>
+          <a:xfrm>
+            <a:off x="0" y="0"/>
+            <a:ext cx="12192000" cy="6858000"/>
+          </a:xfrm>
+          <a:prstGeom prst="rect">
+            <a:avLst/>
+          </a:prstGeom>
+          <a:solidFill>
+            <a:schemeClr val="bg1"/>
+          </a:solidFill>
+          <a:ln>
+            <a:noFill/>
+          </a:ln>
+        </p:spPr>
+        <p:style>
+          <a:lnRef idx="2">
+            <a:schemeClr val="accent1">
+              <a:shade val="50000"/>
+            </a:schemeClr>
+          </a:lnRef>
+          <a:fillRef idx="1">
+            <a:schemeClr val="accent1"/>
+          </a:fillRef>
+          <a:effectRef idx="0">
+            <a:schemeClr val="accent1"/>
+          </a:effectRef>
+          <a:fontRef idx="minor">
+            <a:schemeClr val="lt1"/>
+          </a:fontRef>
+        </p:style>
+        <p:txBody>
+          <a:bodyPr rtlCol="0" anchor="ctr"/>
+          <a:lstStyle/>
+          <a:p>
+            <a:pPr algn="ctr"/>
+            <a:endParaRPr lang="en-US" dirty="0"/>
+          </a:p>
+        </p:txBody>
+      </p:sp>
+      <p:sp>
+        <p:nvSpPr>
+          <p:cNvPr id="2" name="Title 1">
+            <a:extLst>
+              <a:ext uri="{FF2B5EF4-FFF2-40B4-BE49-F238E27FC236}">
                 <a16:creationId xmlns:a16="http://schemas.microsoft.com/office/drawing/2014/main" id="{0D6C3B5B-AED1-4FE5-A1AB-8300324B8EAE}"/>
               </a:ext>
             </a:extLst>
@@ -3550,38 +4632,45 @@
             <p:ph type="title"/>
           </p:nvPr>
         </p:nvSpPr>
-        <p:spPr/>
-        <p:txBody>
-          <a:bodyPr/>
-          <a:lstStyle/>
-          <a:p>
-            <a:r>
-              <a:rPr lang="ru-RU" b="1" dirty="0">
+        <p:spPr>
+          <a:xfrm>
+            <a:off x="643467" y="321734"/>
+            <a:ext cx="10905066" cy="1135737"/>
+          </a:xfrm>
+        </p:spPr>
+        <p:txBody>
+          <a:bodyPr>
+            <a:normAutofit/>
+          </a:bodyPr>
+          <a:lstStyle/>
+          <a:p>
+            <a:r>
+              <a:rPr lang="ru-RU" sz="3600" b="1">
                 <a:cs typeface="Times New Roman" panose="02020603050405020304" pitchFamily="18" charset="0"/>
               </a:rPr>
               <a:t>Перед</a:t>
             </a:r>
             <a:r>
-              <a:rPr lang="ru-RU" b="1" dirty="0">
+              <a:rPr lang="ru-RU" sz="3600" b="1">
                 <a:latin typeface="Times New Roman" panose="02020603050405020304" pitchFamily="18" charset="0"/>
                 <a:cs typeface="Times New Roman" panose="02020603050405020304" pitchFamily="18" charset="0"/>
               </a:rPr>
               <a:t> </a:t>
             </a:r>
             <a:r>
-              <a:rPr lang="ru-RU" b="1" dirty="0">
+              <a:rPr lang="ru-RU" sz="3600" b="1">
                 <a:cs typeface="Times New Roman" panose="02020603050405020304" pitchFamily="18" charset="0"/>
               </a:rPr>
               <a:t>началом</a:t>
             </a:r>
             <a:r>
-              <a:rPr lang="ru-RU" b="1" dirty="0">
+              <a:rPr lang="ru-RU" sz="3600" b="1">
                 <a:latin typeface="Times New Roman" panose="02020603050405020304" pitchFamily="18" charset="0"/>
                 <a:cs typeface="Times New Roman" panose="02020603050405020304" pitchFamily="18" charset="0"/>
               </a:rPr>
               <a:t>...</a:t>
             </a:r>
-            <a:endParaRPr lang="en-US" b="1" dirty="0">
+            <a:endParaRPr lang="en-US" sz="3600" b="1">
               <a:latin typeface="Times New Roman" panose="02020603050405020304" pitchFamily="18" charset="0"/>
               <a:cs typeface="Times New Roman" panose="02020603050405020304" pitchFamily="18" charset="0"/>
             </a:endParaRPr>
@@ -3604,16 +4693,23 @@
             <p:ph idx="1"/>
           </p:nvPr>
         </p:nvSpPr>
-        <p:spPr/>
-        <p:txBody>
-          <a:bodyPr/>
+        <p:spPr>
+          <a:xfrm>
+            <a:off x="643467" y="1782981"/>
+            <a:ext cx="10905066" cy="4393982"/>
+          </a:xfrm>
+        </p:spPr>
+        <p:txBody>
+          <a:bodyPr>
+            <a:normAutofit/>
+          </a:bodyPr>
           <a:lstStyle/>
           <a:p>
             <a:pPr marL="0" indent="0">
               <a:buNone/>
             </a:pPr>
             <a:r>
-              <a:rPr lang="ru-RU" dirty="0"/>
+              <a:rPr lang="ru-RU" sz="2000"/>
               <a:t>Объектом исследования данной дипломной работы являются Базисы Грёбнера полиномиальных идеалов и их применение к решению ряда задач:</a:t>
             </a:r>
           </a:p>
@@ -3621,19 +4717,294 @@
             <a:pPr marL="0" indent="0">
               <a:buNone/>
             </a:pPr>
-            <a:endParaRPr lang="ru-RU" dirty="0"/>
-          </a:p>
-          <a:p>
-            <a:r>
-              <a:rPr lang="ru-RU" dirty="0"/>
+            <a:endParaRPr lang="ru-RU" sz="2000"/>
+          </a:p>
+          <a:p>
+            <a:r>
+              <a:rPr lang="ru-RU" sz="2000"/>
               <a:t>Задачи о принадлежности идеалу.</a:t>
             </a:r>
-          </a:p>
-          <a:p>
-            <a:r>
-              <a:rPr lang="ru-RU" dirty="0"/>
+            <a:endParaRPr lang="en-US" sz="2000"/>
+          </a:p>
+          <a:p>
+            <a:r>
+              <a:rPr lang="ru-RU" sz="2000"/>
+              <a:t>Задача описания идеала.</a:t>
+            </a:r>
+          </a:p>
+          <a:p>
+            <a:r>
+              <a:rPr lang="ru-RU" sz="2000"/>
               <a:t>Решение систем алгебраических уравнений.</a:t>
             </a:r>
+          </a:p>
+        </p:txBody>
+      </p:sp>
+      <p:sp>
+        <p:nvSpPr>
+          <p:cNvPr id="10" name="Rectangle 9">
+            <a:extLst>
+              <a:ext uri="{FF2B5EF4-FFF2-40B4-BE49-F238E27FC236}">
+                <a16:creationId xmlns:a16="http://schemas.microsoft.com/office/drawing/2014/main" id="{2E80C965-DB6D-4F81-9E9E-B027384D0BD6}"/>
+              </a:ext>
+              <a:ext uri="{C183D7F6-B498-43B3-948B-1728B52AA6E4}">
+                <adec:decorative xmlns:adec="http://schemas.microsoft.com/office/drawing/2017/decorative" val="1"/>
+              </a:ext>
+            </a:extLst>
+          </p:cNvPr>
+          <p:cNvSpPr>
+            <a:spLocks noGrp="1" noRot="1" noChangeAspect="1" noMove="1" noResize="1" noEditPoints="1" noAdjustHandles="1" noChangeArrowheads="1" noChangeShapeType="1" noTextEdit="1"/>
+          </p:cNvSpPr>
+          <p:nvPr>
+            <p:extLst>
+              <p:ext uri="{386F3935-93C4-4BCD-93E2-E3B085C9AB24}">
+                <p16:designElem xmlns:p16="http://schemas.microsoft.com/office/powerpoint/2015/main" val="1"/>
+              </p:ext>
+            </p:extLst>
+          </p:nvPr>
+        </p:nvSpPr>
+        <p:spPr>
+          <a:xfrm rot="2700000">
+            <a:off x="11052629" y="2120024"/>
+            <a:ext cx="645368" cy="645368"/>
+          </a:xfrm>
+          <a:prstGeom prst="rect">
+            <a:avLst/>
+          </a:prstGeom>
+          <a:solidFill>
+            <a:schemeClr val="accent4">
+              <a:alpha val="30000"/>
+            </a:schemeClr>
+          </a:solidFill>
+          <a:ln>
+            <a:noFill/>
+          </a:ln>
+        </p:spPr>
+        <p:style>
+          <a:lnRef idx="2">
+            <a:schemeClr val="accent1">
+              <a:shade val="50000"/>
+            </a:schemeClr>
+          </a:lnRef>
+          <a:fillRef idx="1">
+            <a:schemeClr val="accent1"/>
+          </a:fillRef>
+          <a:effectRef idx="0">
+            <a:schemeClr val="accent1"/>
+          </a:effectRef>
+          <a:fontRef idx="minor">
+            <a:schemeClr val="lt1"/>
+          </a:fontRef>
+        </p:style>
+        <p:txBody>
+          <a:bodyPr rtlCol="0" anchor="ctr"/>
+          <a:lstStyle/>
+          <a:p>
+            <a:pPr algn="ctr"/>
+            <a:endParaRPr lang="en-US"/>
+          </a:p>
+        </p:txBody>
+      </p:sp>
+      <p:sp>
+        <p:nvSpPr>
+          <p:cNvPr id="12" name="Isosceles Triangle 11">
+            <a:extLst>
+              <a:ext uri="{FF2B5EF4-FFF2-40B4-BE49-F238E27FC236}">
+                <a16:creationId xmlns:a16="http://schemas.microsoft.com/office/drawing/2014/main" id="{A580F890-B085-4E95-96AA-55AEBEC5CE6E}"/>
+              </a:ext>
+              <a:ext uri="{C183D7F6-B498-43B3-948B-1728B52AA6E4}">
+                <adec:decorative xmlns:adec="http://schemas.microsoft.com/office/drawing/2017/decorative" val="1"/>
+              </a:ext>
+            </a:extLst>
+          </p:cNvPr>
+          <p:cNvSpPr>
+            <a:spLocks noGrp="1" noRot="1" noChangeAspect="1" noMove="1" noResize="1" noEditPoints="1" noAdjustHandles="1" noChangeArrowheads="1" noChangeShapeType="1" noTextEdit="1"/>
+          </p:cNvSpPr>
+          <p:nvPr>
+            <p:extLst>
+              <p:ext uri="{386F3935-93C4-4BCD-93E2-E3B085C9AB24}">
+                <p16:designElem xmlns:p16="http://schemas.microsoft.com/office/powerpoint/2015/main" val="1"/>
+              </p:ext>
+            </p:extLst>
+          </p:nvPr>
+        </p:nvSpPr>
+        <p:spPr>
+          <a:xfrm rot="16200000">
+            <a:off x="10289068" y="1343027"/>
+            <a:ext cx="2532832" cy="1273032"/>
+          </a:xfrm>
+          <a:prstGeom prst="triangle">
+            <a:avLst>
+              <a:gd name="adj" fmla="val 50000"/>
+            </a:avLst>
+          </a:prstGeom>
+          <a:solidFill>
+            <a:schemeClr val="accent4">
+              <a:alpha val="30000"/>
+            </a:schemeClr>
+          </a:solidFill>
+          <a:ln>
+            <a:noFill/>
+          </a:ln>
+        </p:spPr>
+        <p:style>
+          <a:lnRef idx="2">
+            <a:schemeClr val="accent1">
+              <a:shade val="50000"/>
+            </a:schemeClr>
+          </a:lnRef>
+          <a:fillRef idx="1">
+            <a:schemeClr val="accent1"/>
+          </a:fillRef>
+          <a:effectRef idx="0">
+            <a:schemeClr val="accent1"/>
+          </a:effectRef>
+          <a:fontRef idx="minor">
+            <a:schemeClr val="lt1"/>
+          </a:fontRef>
+        </p:style>
+        <p:txBody>
+          <a:bodyPr rtlCol="0" anchor="ctr"/>
+          <a:lstStyle/>
+          <a:p>
+            <a:pPr algn="ctr"/>
+            <a:endParaRPr lang="en-US"/>
+          </a:p>
+        </p:txBody>
+      </p:sp>
+      <p:sp>
+        <p:nvSpPr>
+          <p:cNvPr id="14" name="Isosceles Triangle 13">
+            <a:extLst>
+              <a:ext uri="{FF2B5EF4-FFF2-40B4-BE49-F238E27FC236}">
+                <a16:creationId xmlns:a16="http://schemas.microsoft.com/office/drawing/2014/main" id="{D3F51FEB-38FB-4F6C-9F7B-2F2AFAB65463}"/>
+              </a:ext>
+              <a:ext uri="{C183D7F6-B498-43B3-948B-1728B52AA6E4}">
+                <adec:decorative xmlns:adec="http://schemas.microsoft.com/office/drawing/2017/decorative" val="1"/>
+              </a:ext>
+            </a:extLst>
+          </p:cNvPr>
+          <p:cNvSpPr>
+            <a:spLocks noGrp="1" noRot="1" noChangeAspect="1" noMove="1" noResize="1" noEditPoints="1" noAdjustHandles="1" noChangeArrowheads="1" noChangeShapeType="1" noTextEdit="1"/>
+          </p:cNvSpPr>
+          <p:nvPr>
+            <p:extLst>
+              <p:ext uri="{386F3935-93C4-4BCD-93E2-E3B085C9AB24}">
+                <p16:designElem xmlns:p16="http://schemas.microsoft.com/office/powerpoint/2015/main" val="1"/>
+              </p:ext>
+            </p:extLst>
+          </p:nvPr>
+        </p:nvSpPr>
+        <p:spPr>
+          <a:xfrm rot="5400000">
+            <a:off x="-501760" y="5103257"/>
+            <a:ext cx="2017580" cy="1014060"/>
+          </a:xfrm>
+          <a:prstGeom prst="triangle">
+            <a:avLst>
+              <a:gd name="adj" fmla="val 50000"/>
+            </a:avLst>
+          </a:prstGeom>
+          <a:solidFill>
+            <a:schemeClr val="accent1">
+              <a:alpha val="30000"/>
+            </a:schemeClr>
+          </a:solidFill>
+          <a:ln>
+            <a:noFill/>
+          </a:ln>
+        </p:spPr>
+        <p:style>
+          <a:lnRef idx="2">
+            <a:schemeClr val="accent1">
+              <a:shade val="50000"/>
+            </a:schemeClr>
+          </a:lnRef>
+          <a:fillRef idx="1">
+            <a:schemeClr val="accent1"/>
+          </a:fillRef>
+          <a:effectRef idx="0">
+            <a:schemeClr val="accent1"/>
+          </a:effectRef>
+          <a:fontRef idx="minor">
+            <a:schemeClr val="lt1"/>
+          </a:fontRef>
+        </p:style>
+        <p:txBody>
+          <a:bodyPr wrap="square" rtlCol="0" anchor="ctr">
+            <a:noAutofit/>
+          </a:bodyPr>
+          <a:lstStyle/>
+          <a:p>
+            <a:pPr algn="ctr"/>
+            <a:endParaRPr lang="en-US"/>
+          </a:p>
+        </p:txBody>
+      </p:sp>
+      <p:sp>
+        <p:nvSpPr>
+          <p:cNvPr id="16" name="Rectangle 15">
+            <a:extLst>
+              <a:ext uri="{FF2B5EF4-FFF2-40B4-BE49-F238E27FC236}">
+                <a16:creationId xmlns:a16="http://schemas.microsoft.com/office/drawing/2014/main" id="{1E547BA6-BAE0-43BB-A7CA-60F69CE252F0}"/>
+              </a:ext>
+              <a:ext uri="{C183D7F6-B498-43B3-948B-1728B52AA6E4}">
+                <adec:decorative xmlns:adec="http://schemas.microsoft.com/office/drawing/2017/decorative" val="1"/>
+              </a:ext>
+            </a:extLst>
+          </p:cNvPr>
+          <p:cNvSpPr>
+            <a:spLocks noGrp="1" noRot="1" noChangeAspect="1" noMove="1" noResize="1" noEditPoints="1" noAdjustHandles="1" noChangeArrowheads="1" noChangeShapeType="1" noTextEdit="1"/>
+          </p:cNvSpPr>
+          <p:nvPr>
+            <p:extLst>
+              <p:ext uri="{386F3935-93C4-4BCD-93E2-E3B085C9AB24}">
+                <p16:designElem xmlns:p16="http://schemas.microsoft.com/office/powerpoint/2015/main" val="1"/>
+              </p:ext>
+            </p:extLst>
+          </p:nvPr>
+        </p:nvSpPr>
+        <p:spPr>
+          <a:xfrm rot="2700000">
+            <a:off x="427916" y="5728708"/>
+            <a:ext cx="485578" cy="485578"/>
+          </a:xfrm>
+          <a:prstGeom prst="rect">
+            <a:avLst/>
+          </a:prstGeom>
+          <a:solidFill>
+            <a:schemeClr val="accent1">
+              <a:alpha val="30000"/>
+            </a:schemeClr>
+          </a:solidFill>
+          <a:ln>
+            <a:noFill/>
+          </a:ln>
+        </p:spPr>
+        <p:style>
+          <a:lnRef idx="2">
+            <a:schemeClr val="accent1">
+              <a:shade val="50000"/>
+            </a:schemeClr>
+          </a:lnRef>
+          <a:fillRef idx="1">
+            <a:schemeClr val="accent1"/>
+          </a:fillRef>
+          <a:effectRef idx="0">
+            <a:schemeClr val="accent1"/>
+          </a:effectRef>
+          <a:fontRef idx="minor">
+            <a:schemeClr val="lt1"/>
+          </a:fontRef>
+        </p:style>
+        <p:txBody>
+          <a:bodyPr wrap="square" rtlCol="0" anchor="ctr">
+            <a:noAutofit/>
+          </a:bodyPr>
+          <a:lstStyle/>
+          <a:p>
+            <a:pPr algn="ctr"/>
+            <a:endParaRPr lang="en-US"/>
           </a:p>
         </p:txBody>
       </p:sp>
@@ -3653,6 +5024,14 @@
 <file path=ppt/slides/slide3.xml><?xml version="1.0" encoding="utf-8"?>
 <p:sld xmlns:a="http://schemas.openxmlformats.org/drawingml/2006/main" xmlns:r="http://schemas.openxmlformats.org/officeDocument/2006/relationships" xmlns:p="http://schemas.openxmlformats.org/presentationml/2006/main">
   <p:cSld>
+    <p:bg>
+      <p:bgPr>
+        <a:solidFill>
+          <a:schemeClr val="bg1"/>
+        </a:solidFill>
+        <a:effectLst/>
+      </p:bgPr>
+    </p:bg>
     <p:spTree>
       <p:nvGrpSpPr>
         <p:cNvPr id="1" name=""/>
@@ -3669,10 +5048,73 @@
       </p:grpSpPr>
       <p:sp>
         <p:nvSpPr>
+          <p:cNvPr id="12" name="Rectangle 11">
+            <a:extLst>
+              <a:ext uri="{FF2B5EF4-FFF2-40B4-BE49-F238E27FC236}">
+                <a16:creationId xmlns:a16="http://schemas.microsoft.com/office/drawing/2014/main" id="{2B566528-1B12-4246-9431-5C2D7D081168}"/>
+              </a:ext>
+              <a:ext uri="{C183D7F6-B498-43B3-948B-1728B52AA6E4}">
+                <adec:decorative xmlns:adec="http://schemas.microsoft.com/office/drawing/2017/decorative" val="1"/>
+              </a:ext>
+            </a:extLst>
+          </p:cNvPr>
+          <p:cNvSpPr>
+            <a:spLocks noGrp="1" noRot="1" noChangeAspect="1" noMove="1" noResize="1" noEditPoints="1" noAdjustHandles="1" noChangeArrowheads="1" noChangeShapeType="1" noTextEdit="1"/>
+          </p:cNvSpPr>
+          <p:nvPr>
+            <p:extLst>
+              <p:ext uri="{386F3935-93C4-4BCD-93E2-E3B085C9AB24}">
+                <p16:designElem xmlns:p16="http://schemas.microsoft.com/office/powerpoint/2015/main" val="1"/>
+              </p:ext>
+            </p:extLst>
+          </p:nvPr>
+        </p:nvSpPr>
+        <p:spPr>
+          <a:xfrm>
+            <a:off x="0" y="0"/>
+            <a:ext cx="12192000" cy="6858000"/>
+          </a:xfrm>
+          <a:prstGeom prst="rect">
+            <a:avLst/>
+          </a:prstGeom>
+          <a:solidFill>
+            <a:schemeClr val="bg1"/>
+          </a:solidFill>
+          <a:ln>
+            <a:noFill/>
+          </a:ln>
+        </p:spPr>
+        <p:style>
+          <a:lnRef idx="2">
+            <a:schemeClr val="accent1">
+              <a:shade val="50000"/>
+            </a:schemeClr>
+          </a:lnRef>
+          <a:fillRef idx="1">
+            <a:schemeClr val="accent1"/>
+          </a:fillRef>
+          <a:effectRef idx="0">
+            <a:schemeClr val="accent1"/>
+          </a:effectRef>
+          <a:fontRef idx="minor">
+            <a:schemeClr val="lt1"/>
+          </a:fontRef>
+        </p:style>
+        <p:txBody>
+          <a:bodyPr rtlCol="0" anchor="ctr"/>
+          <a:lstStyle/>
+          <a:p>
+            <a:pPr algn="ctr"/>
+            <a:endParaRPr lang="en-US" dirty="0"/>
+          </a:p>
+        </p:txBody>
+      </p:sp>
+      <p:sp>
+        <p:nvSpPr>
           <p:cNvPr id="2" name="Title 1">
             <a:extLst>
               <a:ext uri="{FF2B5EF4-FFF2-40B4-BE49-F238E27FC236}">
-                <a16:creationId xmlns:a16="http://schemas.microsoft.com/office/drawing/2014/main" id="{634DC237-66BE-4A5E-BC69-307E94CB6D15}"/>
+                <a16:creationId xmlns:a16="http://schemas.microsoft.com/office/drawing/2014/main" id="{38C68536-F0D5-44D1-9262-C31B96D9EFEF}"/>
               </a:ext>
             </a:extLst>
           </p:cNvPr>
@@ -3683,35 +5125,252 @@
             <p:ph type="title"/>
           </p:nvPr>
         </p:nvSpPr>
-        <p:spPr/>
-        <p:txBody>
-          <a:bodyPr/>
+        <p:spPr>
+          <a:xfrm>
+            <a:off x="643467" y="321734"/>
+            <a:ext cx="10905066" cy="1135737"/>
+          </a:xfrm>
+        </p:spPr>
+        <p:txBody>
+          <a:bodyPr>
+            <a:normAutofit/>
+          </a:bodyPr>
           <a:lstStyle/>
           <a:p>
             <a:pPr algn="ctr"/>
             <a:r>
-              <a:rPr lang="ru-RU" dirty="0"/>
-              <a:t>Аффинное многообразие</a:t>
-            </a:r>
-            <a:endParaRPr lang="en-US" dirty="0"/>
-          </a:p>
-        </p:txBody>
-      </p:sp>
+              <a:rPr lang="ru-RU" sz="3600" dirty="0"/>
+              <a:t>Аффинное многообразие и Идеал</a:t>
+            </a:r>
+            <a:endParaRPr lang="en-US" sz="3600" dirty="0"/>
+          </a:p>
+        </p:txBody>
+      </p:sp>
+      <p:sp>
+        <p:nvSpPr>
+          <p:cNvPr id="3" name="Content Placeholder 2">
+            <a:extLst>
+              <a:ext uri="{FF2B5EF4-FFF2-40B4-BE49-F238E27FC236}">
+                <a16:creationId xmlns:a16="http://schemas.microsoft.com/office/drawing/2014/main" id="{64319969-4ACD-4FFB-B5C0-393AB7F91012}"/>
+              </a:ext>
+            </a:extLst>
+          </p:cNvPr>
+          <p:cNvSpPr>
+            <a:spLocks noGrp="1"/>
+          </p:cNvSpPr>
+          <p:nvPr>
+            <p:ph idx="1"/>
+          </p:nvPr>
+        </p:nvSpPr>
+        <p:spPr>
+          <a:xfrm>
+            <a:off x="643469" y="1782981"/>
+            <a:ext cx="4008384" cy="4393982"/>
+          </a:xfrm>
+        </p:spPr>
+        <p:txBody>
+          <a:bodyPr>
+            <a:normAutofit/>
+          </a:bodyPr>
+          <a:lstStyle/>
+          <a:p>
+            <a:pPr marL="0" indent="0">
+              <a:buNone/>
+            </a:pPr>
+            <a:r>
+              <a:rPr lang="ru-RU" dirty="0">
+                <a:latin typeface="Times New Roman" panose="02020603050405020304" pitchFamily="18" charset="0"/>
+                <a:cs typeface="Times New Roman" panose="02020603050405020304" pitchFamily="18" charset="0"/>
+              </a:rPr>
+              <a:t>В первой главе вводятся важные понятия -  идеалы и аффинные многообразия, а также рассматривается связь между ними</a:t>
+            </a:r>
+            <a:r>
+              <a:rPr lang="en-US" dirty="0">
+                <a:latin typeface="Times New Roman" panose="02020603050405020304" pitchFamily="18" charset="0"/>
+                <a:cs typeface="Times New Roman" panose="02020603050405020304" pitchFamily="18" charset="0"/>
+              </a:rPr>
+              <a:t>.</a:t>
+            </a:r>
+            <a:endParaRPr lang="en-US" sz="2000" dirty="0">
+              <a:latin typeface="Times New Roman" panose="02020603050405020304" pitchFamily="18" charset="0"/>
+              <a:cs typeface="Times New Roman" panose="02020603050405020304" pitchFamily="18" charset="0"/>
+            </a:endParaRPr>
+          </a:p>
+        </p:txBody>
+      </p:sp>
+      <p:grpSp>
+        <p:nvGrpSpPr>
+          <p:cNvPr id="14" name="Group 13">
+            <a:extLst>
+              <a:ext uri="{FF2B5EF4-FFF2-40B4-BE49-F238E27FC236}">
+                <a16:creationId xmlns:a16="http://schemas.microsoft.com/office/drawing/2014/main" id="{5995D10D-E9C9-47DB-AE7E-801FEF38F5C9}"/>
+              </a:ext>
+              <a:ext uri="{C183D7F6-B498-43B3-948B-1728B52AA6E4}">
+                <adec:decorative xmlns:adec="http://schemas.microsoft.com/office/drawing/2017/decorative" val="1"/>
+              </a:ext>
+            </a:extLst>
+          </p:cNvPr>
+          <p:cNvGrpSpPr>
+            <a:grpSpLocks noGrp="1" noUngrp="1" noRot="1" noChangeAspect="1" noMove="1" noResize="1"/>
+          </p:cNvGrpSpPr>
+          <p:nvPr>
+            <p:extLst>
+              <p:ext uri="{386F3935-93C4-4BCD-93E2-E3B085C9AB24}">
+                <p16:designElem xmlns:p16="http://schemas.microsoft.com/office/powerpoint/2015/main" val="1"/>
+              </p:ext>
+            </p:extLst>
+          </p:nvPr>
+        </p:nvGrpSpPr>
+        <p:grpSpPr>
+          <a:xfrm>
+            <a:off x="11219290" y="1"/>
+            <a:ext cx="972709" cy="1935307"/>
+            <a:chOff x="10918968" y="713127"/>
+            <a:chExt cx="1273032" cy="2532832"/>
+          </a:xfrm>
+        </p:grpSpPr>
+        <p:sp>
+          <p:nvSpPr>
+            <p:cNvPr id="15" name="Rectangle 14">
+              <a:extLst>
+                <a:ext uri="{FF2B5EF4-FFF2-40B4-BE49-F238E27FC236}">
+                  <a16:creationId xmlns:a16="http://schemas.microsoft.com/office/drawing/2014/main" id="{CC1A72C6-3DE4-4EC3-9AD5-9E0D40D8CE8A}"/>
+                </a:ext>
+                <a:ext uri="{C183D7F6-B498-43B3-948B-1728B52AA6E4}">
+                  <adec:decorative xmlns:adec="http://schemas.microsoft.com/office/drawing/2017/decorative" val="1"/>
+                </a:ext>
+              </a:extLst>
+            </p:cNvPr>
+            <p:cNvSpPr/>
+            <p:nvPr>
+              <p:extLst>
+                <p:ext uri="{386F3935-93C4-4BCD-93E2-E3B085C9AB24}">
+                  <p16:designElem xmlns:p16="http://schemas.microsoft.com/office/powerpoint/2015/main" val="1"/>
+                </p:ext>
+              </p:extLst>
+            </p:nvPr>
+          </p:nvSpPr>
+          <p:spPr>
+            <a:xfrm rot="2700000">
+              <a:off x="11052629" y="2120024"/>
+              <a:ext cx="645368" cy="645368"/>
+            </a:xfrm>
+            <a:prstGeom prst="rect">
+              <a:avLst/>
+            </a:prstGeom>
+            <a:solidFill>
+              <a:schemeClr val="accent4">
+                <a:alpha val="30000"/>
+              </a:schemeClr>
+            </a:solidFill>
+            <a:ln>
+              <a:noFill/>
+            </a:ln>
+          </p:spPr>
+          <p:style>
+            <a:lnRef idx="2">
+              <a:schemeClr val="accent1">
+                <a:shade val="50000"/>
+              </a:schemeClr>
+            </a:lnRef>
+            <a:fillRef idx="1">
+              <a:schemeClr val="accent1"/>
+            </a:fillRef>
+            <a:effectRef idx="0">
+              <a:schemeClr val="accent1"/>
+            </a:effectRef>
+            <a:fontRef idx="minor">
+              <a:schemeClr val="lt1"/>
+            </a:fontRef>
+          </p:style>
+          <p:txBody>
+            <a:bodyPr rtlCol="0" anchor="ctr"/>
+            <a:lstStyle/>
+            <a:p>
+              <a:pPr algn="ctr"/>
+              <a:endParaRPr lang="en-US"/>
+            </a:p>
+          </p:txBody>
+        </p:sp>
+        <p:sp>
+          <p:nvSpPr>
+            <p:cNvPr id="16" name="Isosceles Triangle 15">
+              <a:extLst>
+                <a:ext uri="{FF2B5EF4-FFF2-40B4-BE49-F238E27FC236}">
+                  <a16:creationId xmlns:a16="http://schemas.microsoft.com/office/drawing/2014/main" id="{0B0DA1F1-C391-4EDF-9FE0-23E86E137765}"/>
+                </a:ext>
+                <a:ext uri="{C183D7F6-B498-43B3-948B-1728B52AA6E4}">
+                  <adec:decorative xmlns:adec="http://schemas.microsoft.com/office/drawing/2017/decorative" val="1"/>
+                </a:ext>
+              </a:extLst>
+            </p:cNvPr>
+            <p:cNvSpPr/>
+            <p:nvPr>
+              <p:extLst>
+                <p:ext uri="{386F3935-93C4-4BCD-93E2-E3B085C9AB24}">
+                  <p16:designElem xmlns:p16="http://schemas.microsoft.com/office/powerpoint/2015/main" val="1"/>
+                </p:ext>
+              </p:extLst>
+            </p:nvPr>
+          </p:nvSpPr>
+          <p:spPr>
+            <a:xfrm rot="16200000">
+              <a:off x="10289068" y="1343027"/>
+              <a:ext cx="2532832" cy="1273032"/>
+            </a:xfrm>
+            <a:prstGeom prst="triangle">
+              <a:avLst>
+                <a:gd name="adj" fmla="val 50000"/>
+              </a:avLst>
+            </a:prstGeom>
+            <a:solidFill>
+              <a:schemeClr val="accent4">
+                <a:alpha val="30000"/>
+              </a:schemeClr>
+            </a:solidFill>
+            <a:ln>
+              <a:noFill/>
+            </a:ln>
+          </p:spPr>
+          <p:style>
+            <a:lnRef idx="2">
+              <a:schemeClr val="accent1">
+                <a:shade val="50000"/>
+              </a:schemeClr>
+            </a:lnRef>
+            <a:fillRef idx="1">
+              <a:schemeClr val="accent1"/>
+            </a:fillRef>
+            <a:effectRef idx="0">
+              <a:schemeClr val="accent1"/>
+            </a:effectRef>
+            <a:fontRef idx="minor">
+              <a:schemeClr val="lt1"/>
+            </a:fontRef>
+          </p:style>
+          <p:txBody>
+            <a:bodyPr rtlCol="0" anchor="ctr"/>
+            <a:lstStyle/>
+            <a:p>
+              <a:pPr algn="ctr"/>
+              <a:endParaRPr lang="en-US" dirty="0"/>
+            </a:p>
+          </p:txBody>
+        </p:sp>
+      </p:grpSp>
       <p:pic>
         <p:nvPicPr>
-          <p:cNvPr id="8" name="Content Placeholder 7">
-            <a:extLst>
-              <a:ext uri="{FF2B5EF4-FFF2-40B4-BE49-F238E27FC236}">
-                <a16:creationId xmlns:a16="http://schemas.microsoft.com/office/drawing/2014/main" id="{D9D96A91-1F9A-44CD-AA52-AB9C910E89F9}"/>
+          <p:cNvPr id="6" name="Picture 5">
+            <a:extLst>
+              <a:ext uri="{FF2B5EF4-FFF2-40B4-BE49-F238E27FC236}">
+                <a16:creationId xmlns:a16="http://schemas.microsoft.com/office/drawing/2014/main" id="{B8EE96D1-9E1F-429E-A0D1-DCF979F90E8E}"/>
               </a:ext>
             </a:extLst>
           </p:cNvPr>
           <p:cNvPicPr>
-            <a:picLocks noGrp="1" noChangeAspect="1"/>
+            <a:picLocks noChangeAspect="1"/>
           </p:cNvPicPr>
-          <p:nvPr>
-            <p:ph idx="1"/>
-          </p:nvPr>
+          <p:nvPr/>
         </p:nvPicPr>
         <p:blipFill>
           <a:blip r:embed="rId2"/>
@@ -3721,8 +5380,198 @@
         </p:blipFill>
         <p:spPr>
           <a:xfrm>
-            <a:off x="461378" y="1870055"/>
-            <a:ext cx="11269244" cy="2360875"/>
+            <a:off x="4967973" y="1767625"/>
+            <a:ext cx="6696546" cy="1992221"/>
+          </a:xfrm>
+          <a:prstGeom prst="rect">
+            <a:avLst/>
+          </a:prstGeom>
+        </p:spPr>
+      </p:pic>
+      <p:grpSp>
+        <p:nvGrpSpPr>
+          <p:cNvPr id="18" name="Group 17">
+            <a:extLst>
+              <a:ext uri="{FF2B5EF4-FFF2-40B4-BE49-F238E27FC236}">
+                <a16:creationId xmlns:a16="http://schemas.microsoft.com/office/drawing/2014/main" id="{828A5161-06F1-46CF-8AD7-844680A59E13}"/>
+              </a:ext>
+              <a:ext uri="{C183D7F6-B498-43B3-948B-1728B52AA6E4}">
+                <adec:decorative xmlns:adec="http://schemas.microsoft.com/office/drawing/2017/decorative" val="1"/>
+              </a:ext>
+            </a:extLst>
+          </p:cNvPr>
+          <p:cNvGrpSpPr>
+            <a:grpSpLocks noGrp="1" noUngrp="1" noRot="1" noChangeAspect="1" noMove="1" noResize="1"/>
+          </p:cNvGrpSpPr>
+          <p:nvPr>
+            <p:extLst>
+              <p:ext uri="{386F3935-93C4-4BCD-93E2-E3B085C9AB24}">
+                <p16:designElem xmlns:p16="http://schemas.microsoft.com/office/powerpoint/2015/main" val="1"/>
+              </p:ext>
+            </p:extLst>
+          </p:nvPr>
+        </p:nvGrpSpPr>
+        <p:grpSpPr>
+          <a:xfrm>
+            <a:off x="0" y="4601497"/>
+            <a:ext cx="1014060" cy="2017580"/>
+            <a:chOff x="0" y="4601497"/>
+            <a:chExt cx="1014060" cy="2017580"/>
+          </a:xfrm>
+        </p:grpSpPr>
+        <p:sp>
+          <p:nvSpPr>
+            <p:cNvPr id="19" name="Isosceles Triangle 18">
+              <a:extLst>
+                <a:ext uri="{FF2B5EF4-FFF2-40B4-BE49-F238E27FC236}">
+                  <a16:creationId xmlns:a16="http://schemas.microsoft.com/office/drawing/2014/main" id="{D3F51FEB-38FB-4F6C-9F7B-2F2AFAB65463}"/>
+                </a:ext>
+                <a:ext uri="{C183D7F6-B498-43B3-948B-1728B52AA6E4}">
+                  <adec:decorative xmlns:adec="http://schemas.microsoft.com/office/drawing/2017/decorative" val="1"/>
+                </a:ext>
+              </a:extLst>
+            </p:cNvPr>
+            <p:cNvSpPr/>
+            <p:nvPr>
+              <p:extLst>
+                <p:ext uri="{386F3935-93C4-4BCD-93E2-E3B085C9AB24}">
+                  <p16:designElem xmlns:p16="http://schemas.microsoft.com/office/powerpoint/2015/main" val="1"/>
+                </p:ext>
+              </p:extLst>
+            </p:nvPr>
+          </p:nvSpPr>
+          <p:spPr>
+            <a:xfrm rot="5400000">
+              <a:off x="-501760" y="5103257"/>
+              <a:ext cx="2017580" cy="1014060"/>
+            </a:xfrm>
+            <a:prstGeom prst="triangle">
+              <a:avLst>
+                <a:gd name="adj" fmla="val 50000"/>
+              </a:avLst>
+            </a:prstGeom>
+            <a:solidFill>
+              <a:schemeClr val="accent1">
+                <a:alpha val="30000"/>
+              </a:schemeClr>
+            </a:solidFill>
+            <a:ln>
+              <a:noFill/>
+            </a:ln>
+          </p:spPr>
+          <p:style>
+            <a:lnRef idx="2">
+              <a:schemeClr val="accent1">
+                <a:shade val="50000"/>
+              </a:schemeClr>
+            </a:lnRef>
+            <a:fillRef idx="1">
+              <a:schemeClr val="accent1"/>
+            </a:fillRef>
+            <a:effectRef idx="0">
+              <a:schemeClr val="accent1"/>
+            </a:effectRef>
+            <a:fontRef idx="minor">
+              <a:schemeClr val="lt1"/>
+            </a:fontRef>
+          </p:style>
+          <p:txBody>
+            <a:bodyPr rtlCol="0" anchor="ctr"/>
+            <a:lstStyle/>
+            <a:p>
+              <a:pPr algn="ctr"/>
+              <a:endParaRPr lang="en-US"/>
+            </a:p>
+          </p:txBody>
+        </p:sp>
+        <p:sp>
+          <p:nvSpPr>
+            <p:cNvPr id="20" name="Rectangle 19">
+              <a:extLst>
+                <a:ext uri="{FF2B5EF4-FFF2-40B4-BE49-F238E27FC236}">
+                  <a16:creationId xmlns:a16="http://schemas.microsoft.com/office/drawing/2014/main" id="{1E547BA6-BAE0-43BB-A7CA-60F69CE252F0}"/>
+                </a:ext>
+                <a:ext uri="{C183D7F6-B498-43B3-948B-1728B52AA6E4}">
+                  <adec:decorative xmlns:adec="http://schemas.microsoft.com/office/drawing/2017/decorative" val="1"/>
+                </a:ext>
+              </a:extLst>
+            </p:cNvPr>
+            <p:cNvSpPr/>
+            <p:nvPr>
+              <p:extLst>
+                <p:ext uri="{386F3935-93C4-4BCD-93E2-E3B085C9AB24}">
+                  <p16:designElem xmlns:p16="http://schemas.microsoft.com/office/powerpoint/2015/main" val="1"/>
+                </p:ext>
+              </p:extLst>
+            </p:nvPr>
+          </p:nvSpPr>
+          <p:spPr>
+            <a:xfrm rot="2700000">
+              <a:off x="427916" y="5728708"/>
+              <a:ext cx="485578" cy="485578"/>
+            </a:xfrm>
+            <a:prstGeom prst="rect">
+              <a:avLst/>
+            </a:prstGeom>
+            <a:solidFill>
+              <a:schemeClr val="accent1">
+                <a:alpha val="30000"/>
+              </a:schemeClr>
+            </a:solidFill>
+            <a:ln>
+              <a:noFill/>
+            </a:ln>
+          </p:spPr>
+          <p:style>
+            <a:lnRef idx="2">
+              <a:schemeClr val="accent1">
+                <a:shade val="50000"/>
+              </a:schemeClr>
+            </a:lnRef>
+            <a:fillRef idx="1">
+              <a:schemeClr val="accent1"/>
+            </a:fillRef>
+            <a:effectRef idx="0">
+              <a:schemeClr val="accent1"/>
+            </a:effectRef>
+            <a:fontRef idx="minor">
+              <a:schemeClr val="lt1"/>
+            </a:fontRef>
+          </p:style>
+          <p:txBody>
+            <a:bodyPr rtlCol="0" anchor="ctr"/>
+            <a:lstStyle/>
+            <a:p>
+              <a:pPr algn="ctr"/>
+              <a:endParaRPr lang="en-US"/>
+            </a:p>
+          </p:txBody>
+        </p:sp>
+      </p:grpSp>
+      <p:pic>
+        <p:nvPicPr>
+          <p:cNvPr id="7" name="Picture 6">
+            <a:extLst>
+              <a:ext uri="{FF2B5EF4-FFF2-40B4-BE49-F238E27FC236}">
+                <a16:creationId xmlns:a16="http://schemas.microsoft.com/office/drawing/2014/main" id="{C764A739-7812-4E05-8BC1-E37CA889D410}"/>
+              </a:ext>
+            </a:extLst>
+          </p:cNvPr>
+          <p:cNvPicPr>
+            <a:picLocks noChangeAspect="1"/>
+          </p:cNvPicPr>
+          <p:nvPr/>
+        </p:nvPicPr>
+        <p:blipFill>
+          <a:blip r:embed="rId3"/>
+          <a:stretch>
+            <a:fillRect/>
+          </a:stretch>
+        </p:blipFill>
+        <p:spPr>
+          <a:xfrm>
+            <a:off x="4853561" y="4024028"/>
+            <a:ext cx="6810958" cy="1498410"/>
           </a:xfrm>
           <a:prstGeom prst="rect">
             <a:avLst/>
@@ -3732,7 +5581,7 @@
     </p:spTree>
     <p:extLst>
       <p:ext uri="{BB962C8B-B14F-4D97-AF65-F5344CB8AC3E}">
-        <p14:creationId xmlns:p14="http://schemas.microsoft.com/office/powerpoint/2010/main" val="362786837"/>
+        <p14:creationId xmlns:p14="http://schemas.microsoft.com/office/powerpoint/2010/main" val="2777989502"/>
       </p:ext>
     </p:extLst>
   </p:cSld>
@@ -3759,19 +5608,57 @@
           <a:chExt cx="0" cy="0"/>
         </a:xfrm>
       </p:grpSpPr>
+      <p:sp>
+        <p:nvSpPr>
+          <p:cNvPr id="2" name="Title 1">
+            <a:extLst>
+              <a:ext uri="{FF2B5EF4-FFF2-40B4-BE49-F238E27FC236}">
+                <a16:creationId xmlns:a16="http://schemas.microsoft.com/office/drawing/2014/main" id="{0C10AC8E-D273-473B-8469-C97BFEDF8759}"/>
+              </a:ext>
+            </a:extLst>
+          </p:cNvPr>
+          <p:cNvSpPr>
+            <a:spLocks noGrp="1"/>
+          </p:cNvSpPr>
+          <p:nvPr>
+            <p:ph type="title"/>
+          </p:nvPr>
+        </p:nvSpPr>
+        <p:spPr/>
+        <p:txBody>
+          <a:bodyPr/>
+          <a:lstStyle/>
+          <a:p>
+            <a:pPr algn="ctr"/>
+            <a:r>
+              <a:rPr lang="ru-RU" dirty="0">
+                <a:latin typeface="Times New Roman" panose="02020603050405020304" pitchFamily="18" charset="0"/>
+                <a:cs typeface="Times New Roman" panose="02020603050405020304" pitchFamily="18" charset="0"/>
+              </a:rPr>
+              <a:t>Упорядочение мономов</a:t>
+            </a:r>
+            <a:endParaRPr lang="en-US" dirty="0">
+              <a:latin typeface="Times New Roman" panose="02020603050405020304" pitchFamily="18" charset="0"/>
+              <a:cs typeface="Times New Roman" panose="02020603050405020304" pitchFamily="18" charset="0"/>
+            </a:endParaRPr>
+          </a:p>
+        </p:txBody>
+      </p:sp>
       <p:pic>
         <p:nvPicPr>
-          <p:cNvPr id="6" name="Picture 5">
-            <a:extLst>
-              <a:ext uri="{FF2B5EF4-FFF2-40B4-BE49-F238E27FC236}">
-                <a16:creationId xmlns:a16="http://schemas.microsoft.com/office/drawing/2014/main" id="{CA18CB60-9A90-4FFB-8DB0-5076C89CFADA}"/>
+          <p:cNvPr id="4" name="Content Placeholder 3">
+            <a:extLst>
+              <a:ext uri="{FF2B5EF4-FFF2-40B4-BE49-F238E27FC236}">
+                <a16:creationId xmlns:a16="http://schemas.microsoft.com/office/drawing/2014/main" id="{182F7693-9865-44AF-8825-7BA9BEE54460}"/>
               </a:ext>
             </a:extLst>
           </p:cNvPr>
           <p:cNvPicPr>
-            <a:picLocks noChangeAspect="1"/>
+            <a:picLocks noGrp="1" noChangeAspect="1"/>
           </p:cNvPicPr>
-          <p:nvPr/>
+          <p:nvPr>
+            <p:ph idx="1"/>
+          </p:nvPr>
         </p:nvPicPr>
         <p:blipFill>
           <a:blip r:embed="rId2"/>
@@ -3781,125 +5668,8 @@
         </p:blipFill>
         <p:spPr>
           <a:xfrm>
-            <a:off x="1196065" y="538002"/>
-            <a:ext cx="4220164" cy="1152686"/>
-          </a:xfrm>
-          <a:prstGeom prst="rect">
-            <a:avLst/>
-          </a:prstGeom>
-        </p:spPr>
-      </p:pic>
-      <p:sp>
-        <p:nvSpPr>
-          <p:cNvPr id="2" name="Title 1">
-            <a:extLst>
-              <a:ext uri="{FF2B5EF4-FFF2-40B4-BE49-F238E27FC236}">
-                <a16:creationId xmlns:a16="http://schemas.microsoft.com/office/drawing/2014/main" id="{520E18F7-80E2-42D9-B256-7FA69A9C2831}"/>
-              </a:ext>
-            </a:extLst>
-          </p:cNvPr>
-          <p:cNvSpPr>
-            <a:spLocks noGrp="1"/>
-          </p:cNvSpPr>
-          <p:nvPr>
-            <p:ph type="title"/>
-          </p:nvPr>
-        </p:nvSpPr>
-        <p:spPr/>
-        <p:txBody>
-          <a:bodyPr/>
-          <a:lstStyle/>
-          <a:p>
-            <a:endParaRPr lang="en-US" dirty="0"/>
-          </a:p>
-        </p:txBody>
-      </p:sp>
-      <p:pic>
-        <p:nvPicPr>
-          <p:cNvPr id="4" name="Content Placeholder 3">
-            <a:extLst>
-              <a:ext uri="{FF2B5EF4-FFF2-40B4-BE49-F238E27FC236}">
-                <a16:creationId xmlns:a16="http://schemas.microsoft.com/office/drawing/2014/main" id="{B223CE89-45C1-468D-BE99-233C763563CB}"/>
-              </a:ext>
-            </a:extLst>
-          </p:cNvPr>
-          <p:cNvPicPr>
-            <a:picLocks noGrp="1" noChangeAspect="1"/>
-          </p:cNvPicPr>
-          <p:nvPr>
-            <p:ph idx="1"/>
-          </p:nvPr>
-        </p:nvPicPr>
-        <p:blipFill>
-          <a:blip r:embed="rId3"/>
-          <a:stretch>
-            <a:fillRect/>
-          </a:stretch>
-        </p:blipFill>
-        <p:spPr>
-          <a:xfrm>
-            <a:off x="576943" y="1828799"/>
-            <a:ext cx="5660797" cy="4068245"/>
-          </a:xfrm>
-          <a:prstGeom prst="rect">
-            <a:avLst/>
-          </a:prstGeom>
-        </p:spPr>
-      </p:pic>
-      <p:pic>
-        <p:nvPicPr>
-          <p:cNvPr id="5" name="Picture 4">
-            <a:extLst>
-              <a:ext uri="{FF2B5EF4-FFF2-40B4-BE49-F238E27FC236}">
-                <a16:creationId xmlns:a16="http://schemas.microsoft.com/office/drawing/2014/main" id="{03666F91-30F4-4F67-85FE-A0630D2CED12}"/>
-              </a:ext>
-            </a:extLst>
-          </p:cNvPr>
-          <p:cNvPicPr>
-            <a:picLocks noChangeAspect="1"/>
-          </p:cNvPicPr>
-          <p:nvPr/>
-        </p:nvPicPr>
-        <p:blipFill>
-          <a:blip r:embed="rId4"/>
-          <a:stretch>
-            <a:fillRect/>
-          </a:stretch>
-        </p:blipFill>
-        <p:spPr>
-          <a:xfrm>
-            <a:off x="6932645" y="1690688"/>
-            <a:ext cx="4507764" cy="4703427"/>
-          </a:xfrm>
-          <a:prstGeom prst="rect">
-            <a:avLst/>
-          </a:prstGeom>
-        </p:spPr>
-      </p:pic>
-      <p:pic>
-        <p:nvPicPr>
-          <p:cNvPr id="7" name="Picture 6">
-            <a:extLst>
-              <a:ext uri="{FF2B5EF4-FFF2-40B4-BE49-F238E27FC236}">
-                <a16:creationId xmlns:a16="http://schemas.microsoft.com/office/drawing/2014/main" id="{0F28EEA1-4D2C-4F6D-B737-FC3097B61B28}"/>
-              </a:ext>
-            </a:extLst>
-          </p:cNvPr>
-          <p:cNvPicPr>
-            <a:picLocks noChangeAspect="1"/>
-          </p:cNvPicPr>
-          <p:nvPr/>
-        </p:nvPicPr>
-        <p:blipFill>
-          <a:blip r:embed="rId5"/>
-          <a:stretch>
-            <a:fillRect/>
-          </a:stretch>
-        </p:blipFill>
-        <p:spPr>
-          <a:xfrm>
-            <a:off x="7181234" y="459220"/>
-            <a:ext cx="4010585" cy="1257475"/>
+            <a:off x="1127976" y="2258009"/>
+            <a:ext cx="10225824" cy="2575208"/>
           </a:xfrm>
           <a:prstGeom prst="rect">
             <a:avLst/>
@@ -3909,7 +5679,7 @@
     </p:spTree>
     <p:extLst>
       <p:ext uri="{BB962C8B-B14F-4D97-AF65-F5344CB8AC3E}">
-        <p14:creationId xmlns:p14="http://schemas.microsoft.com/office/powerpoint/2010/main" val="2359667946"/>
+        <p14:creationId xmlns:p14="http://schemas.microsoft.com/office/powerpoint/2010/main" val="3338806001"/>
       </p:ext>
     </p:extLst>
   </p:cSld>
@@ -3936,21 +5706,122 @@
           <a:chExt cx="0" cy="0"/>
         </a:xfrm>
       </p:grpSpPr>
+      <p:sp>
+        <p:nvSpPr>
+          <p:cNvPr id="2" name="Title 1">
+            <a:extLst>
+              <a:ext uri="{FF2B5EF4-FFF2-40B4-BE49-F238E27FC236}">
+                <a16:creationId xmlns:a16="http://schemas.microsoft.com/office/drawing/2014/main" id="{A4211671-3659-409C-ABAB-B7AA0FFAA416}"/>
+              </a:ext>
+            </a:extLst>
+          </p:cNvPr>
+          <p:cNvSpPr>
+            <a:spLocks noGrp="1"/>
+          </p:cNvSpPr>
+          <p:nvPr>
+            <p:ph type="title"/>
+          </p:nvPr>
+        </p:nvSpPr>
+        <p:spPr/>
+        <p:txBody>
+          <a:bodyPr/>
+          <a:lstStyle/>
+          <a:p>
+            <a:endParaRPr lang="en-US" dirty="0"/>
+          </a:p>
+        </p:txBody>
+      </p:sp>
+      <p:sp>
+        <p:nvSpPr>
+          <p:cNvPr id="3" name="Content Placeholder 2">
+            <a:extLst>
+              <a:ext uri="{FF2B5EF4-FFF2-40B4-BE49-F238E27FC236}">
+                <a16:creationId xmlns:a16="http://schemas.microsoft.com/office/drawing/2014/main" id="{9BD47983-234F-4147-9D7A-94EB43C669DD}"/>
+              </a:ext>
+            </a:extLst>
+          </p:cNvPr>
+          <p:cNvSpPr>
+            <a:spLocks noGrp="1"/>
+          </p:cNvSpPr>
+          <p:nvPr>
+            <p:ph idx="1"/>
+          </p:nvPr>
+        </p:nvSpPr>
+        <p:spPr>
+          <a:xfrm>
+            <a:off x="838200" y="365125"/>
+            <a:ext cx="10515600" cy="4351338"/>
+          </a:xfrm>
+        </p:spPr>
+        <p:txBody>
+          <a:bodyPr/>
+          <a:lstStyle/>
+          <a:p>
+            <a:r>
+              <a:rPr lang="en-US" dirty="0"/>
+              <a:t>Lex-</a:t>
+            </a:r>
+            <a:r>
+              <a:rPr lang="ru-RU" dirty="0"/>
+              <a:t>упорядочение – алфавитный порядок переменных.</a:t>
+            </a:r>
+          </a:p>
+          <a:p>
+            <a:endParaRPr lang="ru-RU" dirty="0"/>
+          </a:p>
+          <a:p>
+            <a:endParaRPr lang="ru-RU" dirty="0"/>
+          </a:p>
+          <a:p>
+            <a:r>
+              <a:rPr lang="en-US" dirty="0"/>
+              <a:t>Grlex-</a:t>
+            </a:r>
+            <a:r>
+              <a:rPr lang="ru-RU" dirty="0"/>
+              <a:t>упорядочение:</a:t>
+            </a:r>
+          </a:p>
+          <a:p>
+            <a:endParaRPr lang="ru-RU" dirty="0"/>
+          </a:p>
+          <a:p>
+            <a:endParaRPr lang="ru-RU" dirty="0"/>
+          </a:p>
+          <a:p>
+            <a:endParaRPr lang="ru-RU" dirty="0"/>
+          </a:p>
+          <a:p>
+            <a:r>
+              <a:rPr lang="en-US" dirty="0"/>
+              <a:t>Grevlex-</a:t>
+            </a:r>
+            <a:r>
+              <a:rPr lang="ru-RU" dirty="0"/>
+              <a:t>упорядочение:</a:t>
+            </a:r>
+          </a:p>
+          <a:p>
+            <a:pPr marL="0" indent="0">
+              <a:buNone/>
+            </a:pPr>
+            <a:endParaRPr lang="en-US" dirty="0"/>
+          </a:p>
+        </p:txBody>
+      </p:sp>
       <p:pic>
         <p:nvPicPr>
-          <p:cNvPr id="10" name="Content Placeholder 9">
-            <a:extLst>
-              <a:ext uri="{FF2B5EF4-FFF2-40B4-BE49-F238E27FC236}">
-                <a16:creationId xmlns:a16="http://schemas.microsoft.com/office/drawing/2014/main" id="{40CCBA4E-04CC-414B-87A2-FBED0A9CFED8}"/>
+          <p:cNvPr id="4" name="Picture 3">
+            <a:extLst>
+              <a:ext uri="{FF2B5EF4-FFF2-40B4-BE49-F238E27FC236}">
+                <a16:creationId xmlns:a16="http://schemas.microsoft.com/office/drawing/2014/main" id="{B5AE7F2F-A667-4FD6-B239-EC2AEE2227AE}"/>
               </a:ext>
             </a:extLst>
           </p:cNvPr>
           <p:cNvPicPr>
-            <a:picLocks noGrp="1" noChangeAspect="1"/>
+            <a:picLocks noChangeAspect="1"/>
           </p:cNvPicPr>
-          <p:nvPr>
-            <p:ph idx="1"/>
-          </p:nvPr>
+          <p:nvPr/>
         </p:nvPicPr>
         <p:blipFill>
           <a:blip r:embed="rId2"/>
@@ -3960,8 +5831,68 @@
         </p:blipFill>
         <p:spPr>
           <a:xfrm>
-            <a:off x="1540317" y="1676335"/>
-            <a:ext cx="9111365" cy="4351338"/>
+            <a:off x="2800520" y="870015"/>
+            <a:ext cx="6159823" cy="926127"/>
+          </a:xfrm>
+          <a:prstGeom prst="rect">
+            <a:avLst/>
+          </a:prstGeom>
+        </p:spPr>
+      </p:pic>
+      <p:pic>
+        <p:nvPicPr>
+          <p:cNvPr id="5" name="Picture 4">
+            <a:extLst>
+              <a:ext uri="{FF2B5EF4-FFF2-40B4-BE49-F238E27FC236}">
+                <a16:creationId xmlns:a16="http://schemas.microsoft.com/office/drawing/2014/main" id="{86CB18BA-C42A-454A-8FBF-2BB93B004E36}"/>
+              </a:ext>
+            </a:extLst>
+          </p:cNvPr>
+          <p:cNvPicPr>
+            <a:picLocks noChangeAspect="1"/>
+          </p:cNvPicPr>
+          <p:nvPr/>
+        </p:nvPicPr>
+        <p:blipFill>
+          <a:blip r:embed="rId3"/>
+          <a:stretch>
+            <a:fillRect/>
+          </a:stretch>
+        </p:blipFill>
+        <p:spPr>
+          <a:xfrm>
+            <a:off x="2800520" y="2427018"/>
+            <a:ext cx="6778170" cy="1456990"/>
+          </a:xfrm>
+          <a:prstGeom prst="rect">
+            <a:avLst/>
+          </a:prstGeom>
+        </p:spPr>
+      </p:pic>
+      <p:pic>
+        <p:nvPicPr>
+          <p:cNvPr id="7" name="Picture 6">
+            <a:extLst>
+              <a:ext uri="{FF2B5EF4-FFF2-40B4-BE49-F238E27FC236}">
+                <a16:creationId xmlns:a16="http://schemas.microsoft.com/office/drawing/2014/main" id="{F436BD1D-CD3E-433D-AB84-8189CC48E794}"/>
+              </a:ext>
+            </a:extLst>
+          </p:cNvPr>
+          <p:cNvPicPr>
+            <a:picLocks noChangeAspect="1"/>
+          </p:cNvPicPr>
+          <p:nvPr/>
+        </p:nvPicPr>
+        <p:blipFill>
+          <a:blip r:embed="rId4"/>
+          <a:stretch>
+            <a:fillRect/>
+          </a:stretch>
+        </p:blipFill>
+        <p:spPr>
+          <a:xfrm>
+            <a:off x="2800520" y="4716463"/>
+            <a:ext cx="5484452" cy="1442593"/>
           </a:xfrm>
           <a:prstGeom prst="rect">
             <a:avLst/>
@@ -3971,7 +5902,7 @@
     </p:spTree>
     <p:extLst>
       <p:ext uri="{BB962C8B-B14F-4D97-AF65-F5344CB8AC3E}">
-        <p14:creationId xmlns:p14="http://schemas.microsoft.com/office/powerpoint/2010/main" val="2874584679"/>
+        <p14:creationId xmlns:p14="http://schemas.microsoft.com/office/powerpoint/2010/main" val="1853172259"/>
       </p:ext>
     </p:extLst>
   </p:cSld>
@@ -3984,6 +5915,14 @@
 <file path=ppt/slides/slide6.xml><?xml version="1.0" encoding="utf-8"?>
 <p:sld xmlns:a="http://schemas.openxmlformats.org/drawingml/2006/main" xmlns:r="http://schemas.openxmlformats.org/officeDocument/2006/relationships" xmlns:p="http://schemas.openxmlformats.org/presentationml/2006/main">
   <p:cSld>
+    <p:bg>
+      <p:bgPr>
+        <a:solidFill>
+          <a:schemeClr val="bg1"/>
+        </a:solidFill>
+        <a:effectLst/>
+      </p:bgPr>
+    </p:bg>
     <p:spTree>
       <p:nvGrpSpPr>
         <p:cNvPr id="1" name=""/>
@@ -4003,7 +5942,7 @@
           <p:cNvPr id="2" name="Title 1">
             <a:extLst>
               <a:ext uri="{FF2B5EF4-FFF2-40B4-BE49-F238E27FC236}">
-                <a16:creationId xmlns:a16="http://schemas.microsoft.com/office/drawing/2014/main" id="{D37F9B86-7CEB-4FD4-9490-28283FE8E8F2}"/>
+                <a16:creationId xmlns:a16="http://schemas.microsoft.com/office/drawing/2014/main" id="{D64E517F-9DF9-43D2-A81A-39B15A905CE9}"/>
               </a:ext>
             </a:extLst>
           </p:cNvPr>
@@ -4014,53 +5953,79 @@
             <p:ph type="title"/>
           </p:nvPr>
         </p:nvSpPr>
-        <p:spPr/>
-        <p:txBody>
-          <a:bodyPr/>
-          <a:lstStyle/>
-          <a:p>
-            <a:endParaRPr lang="en-US"/>
+        <p:spPr>
+          <a:xfrm>
+            <a:off x="648929" y="629266"/>
+            <a:ext cx="3667039" cy="1676603"/>
+          </a:xfrm>
+        </p:spPr>
+        <p:txBody>
+          <a:bodyPr>
+            <a:normAutofit/>
+          </a:bodyPr>
+          <a:lstStyle/>
+          <a:p>
+            <a:r>
+              <a:rPr lang="ru-RU"/>
+              <a:t>Старший член полинома</a:t>
+            </a:r>
+            <a:endParaRPr lang="en-US" dirty="0"/>
+          </a:p>
+        </p:txBody>
+      </p:sp>
+      <p:sp>
+        <p:nvSpPr>
+          <p:cNvPr id="3" name="Content Placeholder 2">
+            <a:extLst>
+              <a:ext uri="{FF2B5EF4-FFF2-40B4-BE49-F238E27FC236}">
+                <a16:creationId xmlns:a16="http://schemas.microsoft.com/office/drawing/2014/main" id="{2C42F0AC-0BC6-4874-AF3A-661E8B2EA835}"/>
+              </a:ext>
+            </a:extLst>
+          </p:cNvPr>
+          <p:cNvSpPr>
+            <a:spLocks noGrp="1"/>
+          </p:cNvSpPr>
+          <p:nvPr>
+            <p:ph idx="1"/>
+          </p:nvPr>
+        </p:nvSpPr>
+        <p:spPr>
+          <a:xfrm>
+            <a:off x="648930" y="2438400"/>
+            <a:ext cx="3667037" cy="3785419"/>
+          </a:xfrm>
+        </p:spPr>
+        <p:txBody>
+          <a:bodyPr>
+            <a:normAutofit/>
+          </a:bodyPr>
+          <a:lstStyle/>
+          <a:p>
+            <a:r>
+              <a:rPr lang="en-US" sz="2400" dirty="0"/>
+              <a:t>LC – leading coefficient</a:t>
+            </a:r>
+          </a:p>
+          <a:p>
+            <a:r>
+              <a:rPr lang="en-US" sz="2400" dirty="0"/>
+              <a:t>LM – leading monomial</a:t>
+            </a:r>
+          </a:p>
+          <a:p>
+            <a:r>
+              <a:rPr lang="en-US" sz="2400" dirty="0"/>
+              <a:t>LT – leading term  </a:t>
+            </a:r>
           </a:p>
         </p:txBody>
       </p:sp>
       <p:pic>
         <p:nvPicPr>
-          <p:cNvPr id="4" name="Content Placeholder 3">
-            <a:extLst>
-              <a:ext uri="{FF2B5EF4-FFF2-40B4-BE49-F238E27FC236}">
-                <a16:creationId xmlns:a16="http://schemas.microsoft.com/office/drawing/2014/main" id="{8B6C46DD-D051-41DC-8065-D15BF034B698}"/>
-              </a:ext>
-            </a:extLst>
-          </p:cNvPr>
-          <p:cNvPicPr>
-            <a:picLocks noGrp="1" noChangeAspect="1"/>
-          </p:cNvPicPr>
-          <p:nvPr>
-            <p:ph idx="1"/>
-          </p:nvPr>
-        </p:nvPicPr>
-        <p:blipFill>
-          <a:blip r:embed="rId2"/>
-          <a:stretch>
-            <a:fillRect/>
-          </a:stretch>
-        </p:blipFill>
-        <p:spPr>
-          <a:xfrm>
-            <a:off x="6756326" y="1690688"/>
-            <a:ext cx="4296375" cy="1305107"/>
-          </a:xfrm>
-          <a:prstGeom prst="rect">
-            <a:avLst/>
-          </a:prstGeom>
-        </p:spPr>
-      </p:pic>
-      <p:pic>
-        <p:nvPicPr>
-          <p:cNvPr id="5" name="Picture 4">
-            <a:extLst>
-              <a:ext uri="{FF2B5EF4-FFF2-40B4-BE49-F238E27FC236}">
-                <a16:creationId xmlns:a16="http://schemas.microsoft.com/office/drawing/2014/main" id="{5E3412DC-7843-49F7-9D5D-30D792EF07CD}"/>
+          <p:cNvPr id="4" name="Picture 3">
+            <a:extLst>
+              <a:ext uri="{FF2B5EF4-FFF2-40B4-BE49-F238E27FC236}">
+                <a16:creationId xmlns:a16="http://schemas.microsoft.com/office/drawing/2014/main" id="{5890F983-6AB0-4270-BF6E-89E569F40437}"/>
               </a:ext>
             </a:extLst>
           </p:cNvPr>
@@ -4069,26 +6034,26 @@
           </p:cNvPicPr>
           <p:nvPr/>
         </p:nvPicPr>
-        <p:blipFill>
-          <a:blip r:embed="rId3"/>
-          <a:stretch>
-            <a:fillRect/>
-          </a:stretch>
+        <p:blipFill rotWithShape="1">
+          <a:blip r:embed="rId2"/>
+          <a:srcRect r="4211" b="-1"/>
+          <a:stretch/>
         </p:blipFill>
         <p:spPr>
           <a:xfrm>
-            <a:off x="718457" y="1329037"/>
-            <a:ext cx="5496024" cy="5286367"/>
+            <a:off x="4729314" y="556106"/>
+            <a:ext cx="6916329" cy="5577837"/>
           </a:xfrm>
           <a:prstGeom prst="rect">
             <a:avLst/>
           </a:prstGeom>
+          <a:effectLst/>
         </p:spPr>
       </p:pic>
     </p:spTree>
     <p:extLst>
       <p:ext uri="{BB962C8B-B14F-4D97-AF65-F5344CB8AC3E}">
-        <p14:creationId xmlns:p14="http://schemas.microsoft.com/office/powerpoint/2010/main" val="647183263"/>
+        <p14:creationId xmlns:p14="http://schemas.microsoft.com/office/powerpoint/2010/main" val="1452344991"/>
       </p:ext>
     </p:extLst>
   </p:cSld>
@@ -4120,7 +6085,7 @@
           <p:cNvPr id="2" name="Title 1">
             <a:extLst>
               <a:ext uri="{FF2B5EF4-FFF2-40B4-BE49-F238E27FC236}">
-                <a16:creationId xmlns:a16="http://schemas.microsoft.com/office/drawing/2014/main" id="{38C68536-F0D5-44D1-9262-C31B96D9EFEF}"/>
+                <a16:creationId xmlns:a16="http://schemas.microsoft.com/office/drawing/2014/main" id="{FAA68259-3CAC-4E16-B423-B12A84ACE5E5}"/>
               </a:ext>
             </a:extLst>
           </p:cNvPr>
@@ -4133,6 +6098,37 @@
         </p:nvSpPr>
         <p:spPr/>
         <p:txBody>
+          <a:bodyPr>
+            <a:normAutofit/>
+          </a:bodyPr>
+          <a:lstStyle/>
+          <a:p>
+            <a:r>
+              <a:rPr lang="ru-RU" sz="3200"/>
+              <a:t>Алгоритм деления может быть применен для решения задачи о принадлежности иде­алу. </a:t>
+            </a:r>
+            <a:endParaRPr lang="en-US" sz="3200" dirty="0"/>
+          </a:p>
+        </p:txBody>
+      </p:sp>
+      <p:sp>
+        <p:nvSpPr>
+          <p:cNvPr id="3" name="Content Placeholder 2">
+            <a:extLst>
+              <a:ext uri="{FF2B5EF4-FFF2-40B4-BE49-F238E27FC236}">
+                <a16:creationId xmlns:a16="http://schemas.microsoft.com/office/drawing/2014/main" id="{42F7B094-D36D-4F76-91A7-F16B90527DC6}"/>
+              </a:ext>
+            </a:extLst>
+          </p:cNvPr>
+          <p:cNvSpPr>
+            <a:spLocks noGrp="1"/>
+          </p:cNvSpPr>
+          <p:nvPr>
+            <p:ph idx="1"/>
+          </p:nvPr>
+        </p:nvSpPr>
+        <p:spPr/>
+        <p:txBody>
           <a:bodyPr/>
           <a:lstStyle/>
           <a:p>
@@ -4140,35 +6136,568 @@
           </a:p>
         </p:txBody>
       </p:sp>
-      <p:sp>
-        <p:nvSpPr>
-          <p:cNvPr id="3" name="Content Placeholder 2">
-            <a:extLst>
-              <a:ext uri="{FF2B5EF4-FFF2-40B4-BE49-F238E27FC236}">
-                <a16:creationId xmlns:a16="http://schemas.microsoft.com/office/drawing/2014/main" id="{64319969-4ACD-4FFB-B5C0-393AB7F91012}"/>
-              </a:ext>
-            </a:extLst>
-          </p:cNvPr>
-          <p:cNvSpPr>
-            <a:spLocks noGrp="1"/>
-          </p:cNvSpPr>
-          <p:nvPr>
-            <p:ph idx="1"/>
-          </p:nvPr>
-        </p:nvSpPr>
-        <p:spPr/>
-        <p:txBody>
-          <a:bodyPr/>
-          <a:lstStyle/>
-          <a:p>
-            <a:endParaRPr lang="en-US"/>
-          </a:p>
-        </p:txBody>
-      </p:sp>
+      <p:pic>
+        <p:nvPicPr>
+          <p:cNvPr id="4" name="Picture 3">
+            <a:extLst>
+              <a:ext uri="{FF2B5EF4-FFF2-40B4-BE49-F238E27FC236}">
+                <a16:creationId xmlns:a16="http://schemas.microsoft.com/office/drawing/2014/main" id="{5AF0A80C-860E-4724-B7D3-37DBD87D63F1}"/>
+              </a:ext>
+            </a:extLst>
+          </p:cNvPr>
+          <p:cNvPicPr>
+            <a:picLocks noChangeAspect="1"/>
+          </p:cNvPicPr>
+          <p:nvPr/>
+        </p:nvPicPr>
+        <p:blipFill>
+          <a:blip r:embed="rId2"/>
+          <a:stretch>
+            <a:fillRect/>
+          </a:stretch>
+        </p:blipFill>
+        <p:spPr>
+          <a:xfrm>
+            <a:off x="938685" y="2128675"/>
+            <a:ext cx="10314630" cy="3385718"/>
+          </a:xfrm>
+          <a:prstGeom prst="rect">
+            <a:avLst/>
+          </a:prstGeom>
+        </p:spPr>
+      </p:pic>
     </p:spTree>
     <p:extLst>
       <p:ext uri="{BB962C8B-B14F-4D97-AF65-F5344CB8AC3E}">
-        <p14:creationId xmlns:p14="http://schemas.microsoft.com/office/powerpoint/2010/main" val="2777989502"/>
+        <p14:creationId xmlns:p14="http://schemas.microsoft.com/office/powerpoint/2010/main" val="2952122392"/>
+      </p:ext>
+    </p:extLst>
+  </p:cSld>
+  <p:clrMapOvr>
+    <a:masterClrMapping/>
+  </p:clrMapOvr>
+</p:sld>
+</file>
+
+<file path=ppt/slides/slide8.xml><?xml version="1.0" encoding="utf-8"?>
+<p:sld xmlns:a="http://schemas.openxmlformats.org/drawingml/2006/main" xmlns:r="http://schemas.openxmlformats.org/officeDocument/2006/relationships" xmlns:p="http://schemas.openxmlformats.org/presentationml/2006/main">
+  <p:cSld>
+    <p:bg>
+      <p:bgPr>
+        <a:solidFill>
+          <a:schemeClr val="bg1"/>
+        </a:solidFill>
+        <a:effectLst/>
+      </p:bgPr>
+    </p:bg>
+    <p:spTree>
+      <p:nvGrpSpPr>
+        <p:cNvPr id="1" name=""/>
+        <p:cNvGrpSpPr/>
+        <p:nvPr/>
+      </p:nvGrpSpPr>
+      <p:grpSpPr>
+        <a:xfrm>
+          <a:off x="0" y="0"/>
+          <a:ext cx="0" cy="0"/>
+          <a:chOff x="0" y="0"/>
+          <a:chExt cx="0" cy="0"/>
+        </a:xfrm>
+      </p:grpSpPr>
+      <mc:AlternateContent xmlns:mc="http://schemas.openxmlformats.org/markup-compatibility/2006">
+        <mc:Choice xmlns:a14="http://schemas.microsoft.com/office/drawing/2010/main" Requires="a14">
+          <p:sp>
+            <p:nvSpPr>
+              <p:cNvPr id="2" name="Title 1">
+                <a:extLst>
+                  <a:ext uri="{FF2B5EF4-FFF2-40B4-BE49-F238E27FC236}">
+                    <a16:creationId xmlns:a16="http://schemas.microsoft.com/office/drawing/2014/main" id="{C862E2F5-ED1F-47F9-A212-3CC6ACEF90F6}"/>
+                  </a:ext>
+                </a:extLst>
+              </p:cNvPr>
+              <p:cNvSpPr>
+                <a:spLocks noGrp="1"/>
+              </p:cNvSpPr>
+              <p:nvPr>
+                <p:ph type="title"/>
+              </p:nvPr>
+            </p:nvSpPr>
+            <p:spPr>
+              <a:xfrm>
+                <a:off x="479211" y="629266"/>
+                <a:ext cx="3994403" cy="1676603"/>
+              </a:xfrm>
+            </p:spPr>
+            <p:txBody>
+              <a:bodyPr>
+                <a:normAutofit/>
+              </a:bodyPr>
+              <a:lstStyle/>
+              <a:p>
+                <a:r>
+                  <a:rPr lang="ru-RU" sz="3700" dirty="0"/>
+                  <a:t>Алгорим деления в </a:t>
+                </a:r>
+                <a14:m>
+                  <m:oMath xmlns:m="http://schemas.openxmlformats.org/officeDocument/2006/math">
+                    <m:r>
+                      <a:rPr lang="en-US" sz="3700" i="1">
+                        <a:latin typeface="Cambria Math" panose="02040503050406030204" pitchFamily="18" charset="0"/>
+                      </a:rPr>
+                      <m:t>𝑘</m:t>
+                    </m:r>
+                    <m:r>
+                      <a:rPr lang="ru-RU" sz="3700" i="1">
+                        <a:latin typeface="Cambria Math" panose="02040503050406030204" pitchFamily="18" charset="0"/>
+                      </a:rPr>
+                      <m:t>[</m:t>
+                    </m:r>
+                    <m:sSub>
+                      <m:sSubPr>
+                        <m:ctrlPr>
+                          <a:rPr lang="en-US" sz="3700" i="1">
+                            <a:latin typeface="Cambria Math" panose="02040503050406030204" pitchFamily="18" charset="0"/>
+                          </a:rPr>
+                        </m:ctrlPr>
+                      </m:sSubPr>
+                      <m:e>
+                        <m:r>
+                          <a:rPr lang="en-US" sz="3700" i="1">
+                            <a:latin typeface="Cambria Math" panose="02040503050406030204" pitchFamily="18" charset="0"/>
+                          </a:rPr>
+                          <m:t>𝑥</m:t>
+                        </m:r>
+                      </m:e>
+                      <m:sub>
+                        <m:r>
+                          <a:rPr lang="ru-RU" sz="3700" i="1">
+                            <a:latin typeface="Cambria Math" panose="02040503050406030204" pitchFamily="18" charset="0"/>
+                          </a:rPr>
+                          <m:t>1</m:t>
+                        </m:r>
+                      </m:sub>
+                    </m:sSub>
+                    <m:r>
+                      <a:rPr lang="ru-RU" sz="3700" i="1">
+                        <a:latin typeface="Cambria Math" panose="02040503050406030204" pitchFamily="18" charset="0"/>
+                      </a:rPr>
+                      <m:t>, … , </m:t>
+                    </m:r>
+                    <m:sSub>
+                      <m:sSubPr>
+                        <m:ctrlPr>
+                          <a:rPr lang="en-US" sz="3700" i="1">
+                            <a:latin typeface="Cambria Math" panose="02040503050406030204" pitchFamily="18" charset="0"/>
+                          </a:rPr>
+                        </m:ctrlPr>
+                      </m:sSubPr>
+                      <m:e>
+                        <m:r>
+                          <a:rPr lang="en-US" sz="3700" i="1">
+                            <a:latin typeface="Cambria Math" panose="02040503050406030204" pitchFamily="18" charset="0"/>
+                          </a:rPr>
+                          <m:t>𝑥</m:t>
+                        </m:r>
+                      </m:e>
+                      <m:sub>
+                        <m:r>
+                          <a:rPr lang="en-US" sz="3700" i="1">
+                            <a:latin typeface="Cambria Math" panose="02040503050406030204" pitchFamily="18" charset="0"/>
+                          </a:rPr>
+                          <m:t>𝑛</m:t>
+                        </m:r>
+                      </m:sub>
+                    </m:sSub>
+                    <m:r>
+                      <a:rPr lang="ru-RU" sz="3700" i="1">
+                        <a:latin typeface="Cambria Math" panose="02040503050406030204" pitchFamily="18" charset="0"/>
+                      </a:rPr>
+                      <m:t>]</m:t>
+                    </m:r>
+                  </m:oMath>
+                </a14:m>
+                <a:r>
+                  <a:rPr lang="ru-RU" sz="3700" dirty="0"/>
+                  <a:t>.</a:t>
+                </a:r>
+                <a:endParaRPr lang="en-US" sz="3700" dirty="0"/>
+              </a:p>
+            </p:txBody>
+          </p:sp>
+        </mc:Choice>
+        <mc:Fallback>
+          <p:sp>
+            <p:nvSpPr>
+              <p:cNvPr id="2" name="Title 1">
+                <a:extLst>
+                  <a:ext uri="{FF2B5EF4-FFF2-40B4-BE49-F238E27FC236}">
+                    <a16:creationId xmlns:a16="http://schemas.microsoft.com/office/drawing/2014/main" id="{C862E2F5-ED1F-47F9-A212-3CC6ACEF90F6}"/>
+                  </a:ext>
+                </a:extLst>
+              </p:cNvPr>
+              <p:cNvSpPr>
+                <a:spLocks noGrp="1" noRot="1" noChangeAspect="1" noMove="1" noResize="1" noEditPoints="1" noAdjustHandles="1" noChangeArrowheads="1" noChangeShapeType="1" noTextEdit="1"/>
+              </p:cNvSpPr>
+              <p:nvPr>
+                <p:ph type="title"/>
+              </p:nvPr>
+            </p:nvSpPr>
+            <p:spPr>
+              <a:xfrm>
+                <a:off x="479211" y="629266"/>
+                <a:ext cx="3994403" cy="1676603"/>
+              </a:xfrm>
+              <a:blipFill>
+                <a:blip r:embed="rId2"/>
+                <a:stretch>
+                  <a:fillRect l="-4885" r="-7328"/>
+                </a:stretch>
+              </a:blipFill>
+            </p:spPr>
+            <p:txBody>
+              <a:bodyPr/>
+              <a:lstStyle/>
+              <a:p>
+                <a:r>
+                  <a:rPr lang="en-US">
+                    <a:noFill/>
+                  </a:rPr>
+                  <a:t> </a:t>
+                </a:r>
+              </a:p>
+            </p:txBody>
+          </p:sp>
+        </mc:Fallback>
+      </mc:AlternateContent>
+      <p:sp>
+        <p:nvSpPr>
+          <p:cNvPr id="8" name="Content Placeholder 7">
+            <a:extLst>
+              <a:ext uri="{FF2B5EF4-FFF2-40B4-BE49-F238E27FC236}">
+                <a16:creationId xmlns:a16="http://schemas.microsoft.com/office/drawing/2014/main" id="{1BDD72B9-56D1-49AA-8444-D1E967551962}"/>
+              </a:ext>
+            </a:extLst>
+          </p:cNvPr>
+          <p:cNvSpPr>
+            <a:spLocks noGrp="1"/>
+          </p:cNvSpPr>
+          <p:nvPr>
+            <p:ph idx="1"/>
+          </p:nvPr>
+        </p:nvSpPr>
+        <p:spPr>
+          <a:xfrm>
+            <a:off x="648931" y="2438401"/>
+            <a:ext cx="3605571" cy="3779520"/>
+          </a:xfrm>
+        </p:spPr>
+        <p:txBody>
+          <a:bodyPr>
+            <a:normAutofit/>
+          </a:bodyPr>
+          <a:lstStyle/>
+          <a:p>
+            <a:r>
+              <a:rPr lang="ru-RU" sz="1800" dirty="0"/>
+              <a:t>Формальное описание алгоритма, использован псевдокод.</a:t>
+            </a:r>
+            <a:endParaRPr lang="en-US" sz="1800" dirty="0"/>
+          </a:p>
+        </p:txBody>
+      </p:sp>
+      <p:sp>
+        <p:nvSpPr>
+          <p:cNvPr id="11" name="Rectangle 10">
+            <a:extLst>
+              <a:ext uri="{FF2B5EF4-FFF2-40B4-BE49-F238E27FC236}">
+                <a16:creationId xmlns:a16="http://schemas.microsoft.com/office/drawing/2014/main" id="{577D1452-F0B7-431E-9A24-D3F7103D8510}"/>
+              </a:ext>
+              <a:ext uri="{C183D7F6-B498-43B3-948B-1728B52AA6E4}">
+                <adec:decorative xmlns:adec="http://schemas.microsoft.com/office/drawing/2017/decorative" val="1"/>
+              </a:ext>
+            </a:extLst>
+          </p:cNvPr>
+          <p:cNvSpPr>
+            <a:spLocks noGrp="1" noRot="1" noChangeAspect="1" noMove="1" noResize="1" noEditPoints="1" noAdjustHandles="1" noChangeArrowheads="1" noChangeShapeType="1" noTextEdit="1"/>
+          </p:cNvSpPr>
+          <p:nvPr>
+            <p:extLst>
+              <p:ext uri="{386F3935-93C4-4BCD-93E2-E3B085C9AB24}">
+                <p16:designElem xmlns:p16="http://schemas.microsoft.com/office/powerpoint/2015/main" val="1"/>
+              </p:ext>
+            </p:extLst>
+          </p:nvPr>
+        </p:nvSpPr>
+        <p:spPr>
+          <a:xfrm>
+            <a:off x="4639056" y="0"/>
+            <a:ext cx="7552944" cy="6858000"/>
+          </a:xfrm>
+          <a:prstGeom prst="rect">
+            <a:avLst/>
+          </a:prstGeom>
+          <a:solidFill>
+            <a:srgbClr val="C8CACA"/>
+          </a:solidFill>
+          <a:ln>
+            <a:noFill/>
+          </a:ln>
+        </p:spPr>
+        <p:style>
+          <a:lnRef idx="2">
+            <a:schemeClr val="accent1">
+              <a:shade val="50000"/>
+            </a:schemeClr>
+          </a:lnRef>
+          <a:fillRef idx="1">
+            <a:schemeClr val="accent1"/>
+          </a:fillRef>
+          <a:effectRef idx="0">
+            <a:schemeClr val="accent1"/>
+          </a:effectRef>
+          <a:fontRef idx="minor">
+            <a:schemeClr val="lt1"/>
+          </a:fontRef>
+        </p:style>
+        <p:txBody>
+          <a:bodyPr rtlCol="0" anchor="ctr"/>
+          <a:lstStyle/>
+          <a:p>
+            <a:pPr algn="ctr"/>
+            <a:endParaRPr lang="en-US"/>
+          </a:p>
+        </p:txBody>
+      </p:sp>
+      <p:sp>
+        <p:nvSpPr>
+          <p:cNvPr id="13" name="Rounded Rectangle 20">
+            <a:extLst>
+              <a:ext uri="{FF2B5EF4-FFF2-40B4-BE49-F238E27FC236}">
+                <a16:creationId xmlns:a16="http://schemas.microsoft.com/office/drawing/2014/main" id="{A660F4F9-5DF5-4F15-BE6A-CD8648BB1148}"/>
+              </a:ext>
+              <a:ext uri="{C183D7F6-B498-43B3-948B-1728B52AA6E4}">
+                <adec:decorative xmlns:adec="http://schemas.microsoft.com/office/drawing/2017/decorative" val="1"/>
+              </a:ext>
+            </a:extLst>
+          </p:cNvPr>
+          <p:cNvSpPr>
+            <a:spLocks noGrp="1" noRot="1" noChangeAspect="1" noMove="1" noResize="1" noEditPoints="1" noAdjustHandles="1" noChangeArrowheads="1" noChangeShapeType="1" noTextEdit="1"/>
+          </p:cNvSpPr>
+          <p:nvPr>
+            <p:extLst>
+              <p:ext uri="{386F3935-93C4-4BCD-93E2-E3B085C9AB24}">
+                <p16:designElem xmlns:p16="http://schemas.microsoft.com/office/powerpoint/2015/main" val="1"/>
+              </p:ext>
+            </p:extLst>
+          </p:nvPr>
+        </p:nvSpPr>
+        <p:spPr>
+          <a:xfrm>
+            <a:off x="5118267" y="559407"/>
+            <a:ext cx="6594522" cy="5739187"/>
+          </a:xfrm>
+          <a:prstGeom prst="roundRect">
+            <a:avLst>
+              <a:gd name="adj" fmla="val 0"/>
+            </a:avLst>
+          </a:prstGeom>
+          <a:solidFill>
+            <a:srgbClr val="FFFFFF"/>
+          </a:solidFill>
+          <a:ln w="9525">
+            <a:solidFill>
+              <a:srgbClr val="C8CACA"/>
+            </a:solidFill>
+          </a:ln>
+          <a:effectLst>
+            <a:outerShdw blurRad="57150" dist="19050" dir="5400000" algn="t" rotWithShape="0">
+              <a:prstClr val="black">
+                <a:alpha val="63000"/>
+              </a:prstClr>
+            </a:outerShdw>
+          </a:effectLst>
+        </p:spPr>
+        <p:style>
+          <a:lnRef idx="2">
+            <a:schemeClr val="accent1">
+              <a:shade val="50000"/>
+            </a:schemeClr>
+          </a:lnRef>
+          <a:fillRef idx="1">
+            <a:schemeClr val="accent1"/>
+          </a:fillRef>
+          <a:effectRef idx="0">
+            <a:schemeClr val="accent1"/>
+          </a:effectRef>
+          <a:fontRef idx="minor">
+            <a:schemeClr val="lt1"/>
+          </a:fontRef>
+        </p:style>
+        <p:txBody>
+          <a:bodyPr rtlCol="0" anchor="ctr"/>
+          <a:lstStyle/>
+          <a:p>
+            <a:pPr algn="ctr"/>
+            <a:endParaRPr lang="en-US"/>
+          </a:p>
+        </p:txBody>
+      </p:sp>
+      <p:pic>
+        <p:nvPicPr>
+          <p:cNvPr id="4" name="Content Placeholder 3">
+            <a:extLst>
+              <a:ext uri="{FF2B5EF4-FFF2-40B4-BE49-F238E27FC236}">
+                <a16:creationId xmlns:a16="http://schemas.microsoft.com/office/drawing/2014/main" id="{74F40807-C922-47D3-BC57-378278FB6910}"/>
+              </a:ext>
+            </a:extLst>
+          </p:cNvPr>
+          <p:cNvPicPr>
+            <a:picLocks noChangeAspect="1"/>
+          </p:cNvPicPr>
+          <p:nvPr/>
+        </p:nvPicPr>
+        <p:blipFill rotWithShape="1">
+          <a:blip r:embed="rId3"/>
+          <a:srcRect r="9170" b="2"/>
+          <a:stretch/>
+        </p:blipFill>
+        <p:spPr>
+          <a:xfrm>
+            <a:off x="5283708" y="722376"/>
+            <a:ext cx="6263640" cy="5413248"/>
+          </a:xfrm>
+          <a:prstGeom prst="rect">
+            <a:avLst/>
+          </a:prstGeom>
+          <a:effectLst/>
+        </p:spPr>
+      </p:pic>
+    </p:spTree>
+    <p:extLst>
+      <p:ext uri="{BB962C8B-B14F-4D97-AF65-F5344CB8AC3E}">
+        <p14:creationId xmlns:p14="http://schemas.microsoft.com/office/powerpoint/2010/main" val="4138200667"/>
+      </p:ext>
+    </p:extLst>
+  </p:cSld>
+  <p:clrMapOvr>
+    <a:masterClrMapping/>
+  </p:clrMapOvr>
+</p:sld>
+</file>
+
+<file path=ppt/slides/slide9.xml><?xml version="1.0" encoding="utf-8"?>
+<p:sld xmlns:a="http://schemas.openxmlformats.org/drawingml/2006/main" xmlns:r="http://schemas.openxmlformats.org/officeDocument/2006/relationships" xmlns:p="http://schemas.openxmlformats.org/presentationml/2006/main">
+  <p:cSld>
+    <p:spTree>
+      <p:nvGrpSpPr>
+        <p:cNvPr id="1" name=""/>
+        <p:cNvGrpSpPr/>
+        <p:nvPr/>
+      </p:nvGrpSpPr>
+      <p:grpSpPr>
+        <a:xfrm>
+          <a:off x="0" y="0"/>
+          <a:ext cx="0" cy="0"/>
+          <a:chOff x="0" y="0"/>
+          <a:chExt cx="0" cy="0"/>
+        </a:xfrm>
+      </p:grpSpPr>
+      <p:sp>
+        <p:nvSpPr>
+          <p:cNvPr id="2" name="Title 1">
+            <a:extLst>
+              <a:ext uri="{FF2B5EF4-FFF2-40B4-BE49-F238E27FC236}">
+                <a16:creationId xmlns:a16="http://schemas.microsoft.com/office/drawing/2014/main" id="{F1DF9550-E605-4BBB-A52D-9F38CBB7FBCC}"/>
+              </a:ext>
+            </a:extLst>
+          </p:cNvPr>
+          <p:cNvSpPr>
+            <a:spLocks noGrp="1"/>
+          </p:cNvSpPr>
+          <p:nvPr>
+            <p:ph type="title"/>
+          </p:nvPr>
+        </p:nvSpPr>
+        <p:spPr/>
+        <p:txBody>
+          <a:bodyPr/>
+          <a:lstStyle/>
+          <a:p>
+            <a:pPr algn="ctr"/>
+            <a:r>
+              <a:rPr lang="ru-RU" dirty="0"/>
+              <a:t>Теорема Гильберта о базисе</a:t>
+            </a:r>
+            <a:endParaRPr lang="en-US" dirty="0"/>
+          </a:p>
+        </p:txBody>
+      </p:sp>
+      <p:pic>
+        <p:nvPicPr>
+          <p:cNvPr id="4" name="Content Placeholder 3">
+            <a:extLst>
+              <a:ext uri="{FF2B5EF4-FFF2-40B4-BE49-F238E27FC236}">
+                <a16:creationId xmlns:a16="http://schemas.microsoft.com/office/drawing/2014/main" id="{8F6EB492-089D-4255-843D-A0F4B41989D0}"/>
+              </a:ext>
+            </a:extLst>
+          </p:cNvPr>
+          <p:cNvPicPr>
+            <a:picLocks noGrp="1" noChangeAspect="1"/>
+          </p:cNvPicPr>
+          <p:nvPr>
+            <p:ph idx="1"/>
+          </p:nvPr>
+        </p:nvPicPr>
+        <p:blipFill>
+          <a:blip r:embed="rId2"/>
+          <a:stretch>
+            <a:fillRect/>
+          </a:stretch>
+        </p:blipFill>
+        <p:spPr>
+          <a:xfrm>
+            <a:off x="690976" y="1390261"/>
+            <a:ext cx="9804167" cy="1164852"/>
+          </a:xfrm>
+          <a:prstGeom prst="rect">
+            <a:avLst/>
+          </a:prstGeom>
+        </p:spPr>
+      </p:pic>
+      <p:pic>
+        <p:nvPicPr>
+          <p:cNvPr id="5" name="Picture 4">
+            <a:extLst>
+              <a:ext uri="{FF2B5EF4-FFF2-40B4-BE49-F238E27FC236}">
+                <a16:creationId xmlns:a16="http://schemas.microsoft.com/office/drawing/2014/main" id="{5BE9444E-A5C2-4130-9636-BB80D800E848}"/>
+              </a:ext>
+            </a:extLst>
+          </p:cNvPr>
+          <p:cNvPicPr>
+            <a:picLocks noChangeAspect="1"/>
+          </p:cNvPicPr>
+          <p:nvPr/>
+        </p:nvPicPr>
+        <p:blipFill>
+          <a:blip r:embed="rId3"/>
+          <a:stretch>
+            <a:fillRect/>
+          </a:stretch>
+        </p:blipFill>
+        <p:spPr>
+          <a:xfrm>
+            <a:off x="690976" y="2324010"/>
+            <a:ext cx="9804166" cy="3957755"/>
+          </a:xfrm>
+          <a:prstGeom prst="rect">
+            <a:avLst/>
+          </a:prstGeom>
+        </p:spPr>
+      </p:pic>
+    </p:spTree>
+    <p:extLst>
+      <p:ext uri="{BB962C8B-B14F-4D97-AF65-F5344CB8AC3E}">
+        <p14:creationId xmlns:p14="http://schemas.microsoft.com/office/powerpoint/2010/main" val="103447047"/>
       </p:ext>
     </p:extLst>
   </p:cSld>
